--- a/spring15/slidesS15/truth-tables.pptx
+++ b/spring15/slidesS15/truth-tables.pptx
@@ -6191,6 +6191,195 @@
               <a:t>1</a:t>
             </a:fld>
             <a:endParaRPr lang="en-US" dirty="0"/>
+          </a:p>
+        </p:txBody>
+      </p:sp>
+      <p:sp>
+        <p:nvSpPr>
+          <p:cNvPr id="5" name="Rectangle 2"/>
+          <p:cNvSpPr txBox="1">
+            <a:spLocks noChangeArrowheads="1"/>
+          </p:cNvSpPr>
+          <p:nvPr/>
+        </p:nvSpPr>
+        <p:spPr bwMode="auto">
+          <a:xfrm>
+            <a:off x="1143000" y="304800"/>
+            <a:ext cx="8001000" cy="1219200"/>
+          </a:xfrm>
+          <a:prstGeom prst="rect">
+            <a:avLst/>
+          </a:prstGeom>
+          <a:noFill/>
+          <a:ln w="9525">
+            <a:noFill/>
+            <a:miter lim="800000"/>
+            <a:headEnd/>
+            <a:tailEnd/>
+          </a:ln>
+        </p:spPr>
+        <p:txBody>
+          <a:bodyPr vert="horz" wrap="square" lIns="91440" tIns="45720" rIns="91440" bIns="45720" numCol="1" anchor="ctr" anchorCtr="0" compatLnSpc="1">
+            <a:prstTxWarp prst="textNoShape">
+              <a:avLst/>
+            </a:prstTxWarp>
+          </a:bodyPr>
+          <a:lstStyle>
+            <a:lvl1pPr algn="l" rtl="0" eaLnBrk="0" fontAlgn="base" hangingPunct="0">
+              <a:spcBef>
+                <a:spcPct val="0"/>
+              </a:spcBef>
+              <a:spcAft>
+                <a:spcPct val="0"/>
+              </a:spcAft>
+              <a:defRPr sz="4400" b="1">
+                <a:solidFill>
+                  <a:schemeClr val="tx2"/>
+                </a:solidFill>
+                <a:latin typeface="Comic Sans MS" pitchFamily="66" charset="0"/>
+                <a:ea typeface="+mj-ea"/>
+                <a:cs typeface="+mj-cs"/>
+              </a:defRPr>
+            </a:lvl1pPr>
+            <a:lvl2pPr algn="l" rtl="0" eaLnBrk="0" fontAlgn="base" hangingPunct="0">
+              <a:spcBef>
+                <a:spcPct val="0"/>
+              </a:spcBef>
+              <a:spcAft>
+                <a:spcPct val="0"/>
+              </a:spcAft>
+              <a:defRPr sz="4400" b="1">
+                <a:solidFill>
+                  <a:schemeClr val="tx2"/>
+                </a:solidFill>
+                <a:latin typeface="Comic Sans MS" pitchFamily="66" charset="0"/>
+              </a:defRPr>
+            </a:lvl2pPr>
+            <a:lvl3pPr algn="l" rtl="0" eaLnBrk="0" fontAlgn="base" hangingPunct="0">
+              <a:spcBef>
+                <a:spcPct val="0"/>
+              </a:spcBef>
+              <a:spcAft>
+                <a:spcPct val="0"/>
+              </a:spcAft>
+              <a:defRPr sz="4400" b="1">
+                <a:solidFill>
+                  <a:schemeClr val="tx2"/>
+                </a:solidFill>
+                <a:latin typeface="Comic Sans MS" pitchFamily="66" charset="0"/>
+              </a:defRPr>
+            </a:lvl3pPr>
+            <a:lvl4pPr algn="l" rtl="0" eaLnBrk="0" fontAlgn="base" hangingPunct="0">
+              <a:spcBef>
+                <a:spcPct val="0"/>
+              </a:spcBef>
+              <a:spcAft>
+                <a:spcPct val="0"/>
+              </a:spcAft>
+              <a:defRPr sz="4400" b="1">
+                <a:solidFill>
+                  <a:schemeClr val="tx2"/>
+                </a:solidFill>
+                <a:latin typeface="Comic Sans MS" pitchFamily="66" charset="0"/>
+              </a:defRPr>
+            </a:lvl4pPr>
+            <a:lvl5pPr algn="l" rtl="0" eaLnBrk="0" fontAlgn="base" hangingPunct="0">
+              <a:spcBef>
+                <a:spcPct val="0"/>
+              </a:spcBef>
+              <a:spcAft>
+                <a:spcPct val="0"/>
+              </a:spcAft>
+              <a:defRPr sz="4400" b="1">
+                <a:solidFill>
+                  <a:schemeClr val="tx2"/>
+                </a:solidFill>
+                <a:latin typeface="Comic Sans MS" pitchFamily="66" charset="0"/>
+              </a:defRPr>
+            </a:lvl5pPr>
+            <a:lvl6pPr marL="457200" algn="l" rtl="0" fontAlgn="base">
+              <a:spcBef>
+                <a:spcPct val="0"/>
+              </a:spcBef>
+              <a:spcAft>
+                <a:spcPct val="0"/>
+              </a:spcAft>
+              <a:defRPr sz="4400" b="1">
+                <a:solidFill>
+                  <a:schemeClr val="tx2"/>
+                </a:solidFill>
+                <a:latin typeface="Times New Roman" pitchFamily="18" charset="0"/>
+              </a:defRPr>
+            </a:lvl6pPr>
+            <a:lvl7pPr marL="914400" algn="l" rtl="0" fontAlgn="base">
+              <a:spcBef>
+                <a:spcPct val="0"/>
+              </a:spcBef>
+              <a:spcAft>
+                <a:spcPct val="0"/>
+              </a:spcAft>
+              <a:defRPr sz="4400" b="1">
+                <a:solidFill>
+                  <a:schemeClr val="tx2"/>
+                </a:solidFill>
+                <a:latin typeface="Times New Roman" pitchFamily="18" charset="0"/>
+              </a:defRPr>
+            </a:lvl7pPr>
+            <a:lvl8pPr marL="1371600" algn="l" rtl="0" fontAlgn="base">
+              <a:spcBef>
+                <a:spcPct val="0"/>
+              </a:spcBef>
+              <a:spcAft>
+                <a:spcPct val="0"/>
+              </a:spcAft>
+              <a:defRPr sz="4400" b="1">
+                <a:solidFill>
+                  <a:schemeClr val="tx2"/>
+                </a:solidFill>
+                <a:latin typeface="Times New Roman" pitchFamily="18" charset="0"/>
+              </a:defRPr>
+            </a:lvl8pPr>
+            <a:lvl9pPr marL="1828800" algn="l" rtl="0" fontAlgn="base">
+              <a:spcBef>
+                <a:spcPct val="0"/>
+              </a:spcBef>
+              <a:spcAft>
+                <a:spcPct val="0"/>
+              </a:spcAft>
+              <a:defRPr sz="4400" b="1">
+                <a:solidFill>
+                  <a:schemeClr val="tx2"/>
+                </a:solidFill>
+                <a:latin typeface="Times New Roman" pitchFamily="18" charset="0"/>
+              </a:defRPr>
+            </a:lvl9pPr>
+          </a:lstStyle>
+          <a:p>
+            <a:pPr algn="ctr" eaLnBrk="1" hangingPunct="1"/>
+            <a:r>
+              <a:rPr lang="en-US" sz="3200" i="1" smtClean="0"/>
+              <a:t>Mathematics for Computer Science</a:t>
+            </a:r>
+            <a:r>
+              <a:rPr lang="en-US" i="1" smtClean="0"/>
+              <a:t/>
+            </a:r>
+            <a:br>
+              <a:rPr lang="en-US" i="1" smtClean="0"/>
+            </a:br>
+            <a:r>
+              <a:rPr lang="en-US" sz="3200" smtClean="0">
+                <a:solidFill>
+                  <a:srgbClr val="137117"/>
+                </a:solidFill>
+              </a:rPr>
+              <a:t>6.042J/18.062J</a:t>
+            </a:r>
+            <a:endParaRPr lang="en-US" sz="2800" dirty="0" smtClean="0">
+              <a:solidFill>
+                <a:srgbClr val="008380"/>
+              </a:solidFill>
+            </a:endParaRPr>
           </a:p>
         </p:txBody>
       </p:sp>
@@ -13251,7 +13440,7 @@
           <a:graphicData uri="http://schemas.openxmlformats.org/presentationml/2006/ole">
             <mc:AlternateContent xmlns:mc="http://schemas.openxmlformats.org/markup-compatibility/2006">
               <mc:Choice xmlns:v="urn:schemas-microsoft-com:vml" Requires="v">
-                <p:oleObj spid="_x0000_s402702" name="Equation" r:id="rId4" imgW="800100" imgH="228600" progId="Equation.DSMT4">
+                <p:oleObj spid="_x0000_s402707" name="Equation" r:id="rId4" imgW="800100" imgH="228600" progId="Equation.DSMT4">
                   <p:embed/>
                 </p:oleObj>
               </mc:Choice>
@@ -13313,7 +13502,7 @@
           <a:graphicData uri="http://schemas.openxmlformats.org/presentationml/2006/ole">
             <mc:AlternateContent xmlns:mc="http://schemas.openxmlformats.org/markup-compatibility/2006">
               <mc:Choice xmlns:v="urn:schemas-microsoft-com:vml" Requires="v">
-                <p:oleObj spid="_x0000_s402703" name="Equation" r:id="rId6" imgW="622300" imgH="241300" progId="Equation.DSMT4">
+                <p:oleObj spid="_x0000_s402708" name="Equation" r:id="rId6" imgW="622300" imgH="241300" progId="Equation.DSMT4">
                   <p:embed/>
                 </p:oleObj>
               </mc:Choice>
@@ -13421,7 +13610,7 @@
             <a:graphicData uri="http://schemas.openxmlformats.org/presentationml/2006/ole">
               <mc:AlternateContent xmlns:mc="http://schemas.openxmlformats.org/markup-compatibility/2006">
                 <mc:Choice xmlns:v="urn:schemas-microsoft-com:vml" Requires="v">
-                  <p:oleObj spid="_x0000_s402704" name="Equation" r:id="rId8" imgW="622300" imgH="241300" progId="Equation.DSMT4">
+                  <p:oleObj spid="_x0000_s402709" name="Equation" r:id="rId8" imgW="622300" imgH="241300" progId="Equation.DSMT4">
                     <p:embed/>
                   </p:oleObj>
                 </mc:Choice>
@@ -13478,7 +13667,7 @@
             <a:graphicData uri="http://schemas.openxmlformats.org/presentationml/2006/ole">
               <mc:AlternateContent xmlns:mc="http://schemas.openxmlformats.org/markup-compatibility/2006">
                 <mc:Choice xmlns:v="urn:schemas-microsoft-com:vml" Requires="v">
-                  <p:oleObj spid="_x0000_s402705" name="Equation" r:id="rId9" imgW="609600" imgH="304800" progId="Equation.DSMT4">
+                  <p:oleObj spid="_x0000_s402710" name="Equation" r:id="rId9" imgW="609600" imgH="304800" progId="Equation.DSMT4">
                     <p:embed/>
                   </p:oleObj>
                 </mc:Choice>
@@ -16654,7 +16843,7 @@
           <a:graphicData uri="http://schemas.openxmlformats.org/presentationml/2006/ole">
             <mc:AlternateContent xmlns:mc="http://schemas.openxmlformats.org/markup-compatibility/2006">
               <mc:Choice xmlns:v="urn:schemas-microsoft-com:vml" Requires="v">
-                <p:oleObj spid="_x0000_s414843" name="Equation" r:id="rId4" imgW="800100" imgH="228600" progId="Equation.DSMT4">
+                <p:oleObj spid="_x0000_s414848" name="Equation" r:id="rId4" imgW="800100" imgH="228600" progId="Equation.DSMT4">
                   <p:embed/>
                 </p:oleObj>
               </mc:Choice>
@@ -16716,7 +16905,7 @@
           <a:graphicData uri="http://schemas.openxmlformats.org/presentationml/2006/ole">
             <mc:AlternateContent xmlns:mc="http://schemas.openxmlformats.org/markup-compatibility/2006">
               <mc:Choice xmlns:v="urn:schemas-microsoft-com:vml" Requires="v">
-                <p:oleObj spid="_x0000_s414844" name="Equation" r:id="rId6" imgW="622300" imgH="241300" progId="Equation.DSMT4">
+                <p:oleObj spid="_x0000_s414849" name="Equation" r:id="rId6" imgW="622300" imgH="241300" progId="Equation.DSMT4">
                   <p:embed/>
                 </p:oleObj>
               </mc:Choice>
@@ -16824,7 +17013,7 @@
             <a:graphicData uri="http://schemas.openxmlformats.org/presentationml/2006/ole">
               <mc:AlternateContent xmlns:mc="http://schemas.openxmlformats.org/markup-compatibility/2006">
                 <mc:Choice xmlns:v="urn:schemas-microsoft-com:vml" Requires="v">
-                  <p:oleObj spid="_x0000_s414845" name="Equation" r:id="rId8" imgW="622300" imgH="241300" progId="Equation.DSMT4">
+                  <p:oleObj spid="_x0000_s414850" name="Equation" r:id="rId8" imgW="622300" imgH="241300" progId="Equation.DSMT4">
                     <p:embed/>
                   </p:oleObj>
                 </mc:Choice>
@@ -16881,7 +17070,7 @@
             <a:graphicData uri="http://schemas.openxmlformats.org/presentationml/2006/ole">
               <mc:AlternateContent xmlns:mc="http://schemas.openxmlformats.org/markup-compatibility/2006">
                 <mc:Choice xmlns:v="urn:schemas-microsoft-com:vml" Requires="v">
-                  <p:oleObj spid="_x0000_s414846" name="Equation" r:id="rId9" imgW="609600" imgH="304800" progId="Equation.DSMT4">
+                  <p:oleObj spid="_x0000_s414851" name="Equation" r:id="rId9" imgW="609600" imgH="304800" progId="Equation.DSMT4">
                     <p:embed/>
                   </p:oleObj>
                 </mc:Choice>

--- a/spring15/slidesS15/truth-tables.pptx
+++ b/spring15/slidesS15/truth-tables.pptx
@@ -1241,6 +1241,96 @@
         </p:txBody>
       </p:sp>
     </p:spTree>
+  </p:cSld>
+  <p:clrMapOvr>
+    <a:masterClrMapping/>
+  </p:clrMapOvr>
+</p:notes>
+</file>
+
+<file path=ppt/notesSlides/notesSlide14.xml><?xml version="1.0" encoding="utf-8"?>
+<p:notes xmlns:a="http://schemas.openxmlformats.org/drawingml/2006/main" xmlns:r="http://schemas.openxmlformats.org/officeDocument/2006/relationships" xmlns:p="http://schemas.openxmlformats.org/presentationml/2006/main">
+  <p:cSld>
+    <p:spTree>
+      <p:nvGrpSpPr>
+        <p:cNvPr id="1" name=""/>
+        <p:cNvGrpSpPr/>
+        <p:nvPr/>
+      </p:nvGrpSpPr>
+      <p:grpSpPr>
+        <a:xfrm>
+          <a:off x="0" y="0"/>
+          <a:ext cx="0" cy="0"/>
+          <a:chOff x="0" y="0"/>
+          <a:chExt cx="0" cy="0"/>
+        </a:xfrm>
+      </p:grpSpPr>
+      <p:sp>
+        <p:nvSpPr>
+          <p:cNvPr id="2" name="Slide Image Placeholder 1"/>
+          <p:cNvSpPr>
+            <a:spLocks noGrp="1" noRot="1" noChangeAspect="1"/>
+          </p:cNvSpPr>
+          <p:nvPr>
+            <p:ph type="sldImg"/>
+          </p:nvPr>
+        </p:nvSpPr>
+        <p:spPr/>
+      </p:sp>
+      <p:sp>
+        <p:nvSpPr>
+          <p:cNvPr id="3" name="Notes Placeholder 2"/>
+          <p:cNvSpPr>
+            <a:spLocks noGrp="1"/>
+          </p:cNvSpPr>
+          <p:nvPr>
+            <p:ph type="body" idx="1"/>
+          </p:nvPr>
+        </p:nvSpPr>
+        <p:spPr/>
+        <p:txBody>
+          <a:bodyPr/>
+          <a:lstStyle/>
+          <a:p>
+            <a:endParaRPr lang="en-US"/>
+          </a:p>
+        </p:txBody>
+      </p:sp>
+      <p:sp>
+        <p:nvSpPr>
+          <p:cNvPr id="4" name="Slide Number Placeholder 3"/>
+          <p:cNvSpPr>
+            <a:spLocks noGrp="1"/>
+          </p:cNvSpPr>
+          <p:nvPr>
+            <p:ph type="sldNum" sz="quarter" idx="10"/>
+          </p:nvPr>
+        </p:nvSpPr>
+        <p:spPr/>
+        <p:txBody>
+          <a:bodyPr/>
+          <a:lstStyle/>
+          <a:p>
+            <a:pPr>
+              <a:defRPr/>
+            </a:pPr>
+            <a:fld id="{57CDD2FB-05E6-4D8F-A577-F6AF03D6727E}" type="slidenum">
+              <a:rPr lang="en-US" smtClean="0"/>
+              <a:pPr>
+                <a:defRPr/>
+              </a:pPr>
+              <a:t>14</a:t>
+            </a:fld>
+            <a:endParaRPr lang="en-US"/>
+          </a:p>
+        </p:txBody>
+      </p:sp>
+    </p:spTree>
+    <p:extLst>
+      <p:ext uri="{BB962C8B-B14F-4D97-AF65-F5344CB8AC3E}">
+        <p14:creationId xmlns:p14="http://schemas.microsoft.com/office/powerpoint/2010/main" val="886519628"/>
+      </p:ext>
+    </p:extLst>
   </p:cSld>
   <p:clrMapOvr>
     <a:masterClrMapping/>
@@ -6204,8 +6294,8 @@
         </p:nvSpPr>
         <p:spPr bwMode="auto">
           <a:xfrm>
-            <a:off x="1143000" y="304800"/>
-            <a:ext cx="8001000" cy="1219200"/>
+            <a:off x="1549400" y="317500"/>
+            <a:ext cx="7594600" cy="1219200"/>
           </a:xfrm>
           <a:prstGeom prst="rect">
             <a:avLst/>
@@ -6357,18 +6447,18 @@
           <a:p>
             <a:pPr algn="ctr" eaLnBrk="1" hangingPunct="1"/>
             <a:r>
-              <a:rPr lang="en-US" sz="3200" i="1" smtClean="0"/>
+              <a:rPr lang="en-US" sz="3200" i="1" dirty="0" smtClean="0"/>
               <a:t>Mathematics for Computer Science</a:t>
             </a:r>
             <a:r>
-              <a:rPr lang="en-US" i="1" smtClean="0"/>
+              <a:rPr lang="en-US" i="1" dirty="0" smtClean="0"/>
               <a:t/>
             </a:r>
             <a:br>
-              <a:rPr lang="en-US" i="1" smtClean="0"/>
+              <a:rPr lang="en-US" i="1" dirty="0" smtClean="0"/>
             </a:br>
             <a:r>
-              <a:rPr lang="en-US" sz="3200" smtClean="0">
+              <a:rPr lang="en-US" sz="3200" dirty="0" smtClean="0">
                 <a:solidFill>
                   <a:srgbClr val="137117"/>
                 </a:solidFill>
@@ -6425,38 +6515,6 @@
       </p:grpSpPr>
       <p:sp>
         <p:nvSpPr>
-          <p:cNvPr id="13" name="Title 12"/>
-          <p:cNvSpPr>
-            <a:spLocks noGrp="1"/>
-          </p:cNvSpPr>
-          <p:nvPr>
-            <p:ph type="title"/>
-          </p:nvPr>
-        </p:nvSpPr>
-        <p:spPr>
-          <a:xfrm>
-            <a:off x="1940180" y="304799"/>
-            <a:ext cx="5960647" cy="1113035"/>
-          </a:xfrm>
-        </p:spPr>
-        <p:txBody>
-          <a:bodyPr/>
-          <a:lstStyle/>
-          <a:p>
-            <a:r>
-              <a:rPr lang="en-US" sz="3600" dirty="0" err="1" smtClean="0"/>
-              <a:t>Satisfiability</a:t>
-            </a:r>
-            <a:r>
-              <a:rPr lang="en-US" dirty="0" smtClean="0"/>
-              <a:t> &amp; Validity </a:t>
-            </a:r>
-            <a:endParaRPr lang="en-US" sz="3600" dirty="0"/>
-          </a:p>
-        </p:txBody>
-      </p:sp>
-      <p:sp>
-        <p:nvSpPr>
           <p:cNvPr id="14" name="TextBox 13"/>
           <p:cNvSpPr txBox="1"/>
           <p:nvPr/>
@@ -6765,6 +6823,38 @@
               </a:solidFill>
               <a:latin typeface="Comic Sans MS" pitchFamily="66" charset="0"/>
             </a:endParaRPr>
+          </a:p>
+        </p:txBody>
+      </p:sp>
+      <p:sp>
+        <p:nvSpPr>
+          <p:cNvPr id="9" name="Title 12"/>
+          <p:cNvSpPr>
+            <a:spLocks noGrp="1"/>
+          </p:cNvSpPr>
+          <p:nvPr>
+            <p:ph type="title"/>
+          </p:nvPr>
+        </p:nvSpPr>
+        <p:spPr>
+          <a:xfrm>
+            <a:off x="2406362" y="327882"/>
+            <a:ext cx="6293138" cy="1158017"/>
+          </a:xfrm>
+        </p:spPr>
+        <p:txBody>
+          <a:bodyPr/>
+          <a:lstStyle/>
+          <a:p>
+            <a:r>
+              <a:rPr lang="en-US" sz="4000" dirty="0" err="1" smtClean="0"/>
+              <a:t>Satisfiability</a:t>
+            </a:r>
+            <a:r>
+              <a:rPr lang="en-US" sz="4000" dirty="0" smtClean="0"/>
+              <a:t> &amp; Validity </a:t>
+            </a:r>
+            <a:endParaRPr lang="en-US" sz="4000" dirty="0"/>
           </a:p>
         </p:txBody>
       </p:sp>
@@ -7085,8 +7175,8 @@
         </p:nvSpPr>
         <p:spPr>
           <a:xfrm>
-            <a:off x="1940181" y="304799"/>
-            <a:ext cx="5248416" cy="1101969"/>
+            <a:off x="3009900" y="330199"/>
+            <a:ext cx="5626497" cy="1079501"/>
           </a:xfrm>
         </p:spPr>
         <p:txBody>
@@ -7094,10 +7184,10 @@
           <a:lstStyle/>
           <a:p>
             <a:r>
-              <a:rPr lang="en-US" sz="3600" dirty="0" smtClean="0"/>
+              <a:rPr lang="en-US" sz="4000" dirty="0" smtClean="0"/>
               <a:t>Equivalence &amp; Validity</a:t>
             </a:r>
-            <a:endParaRPr lang="en-US" sz="3600" dirty="0"/>
+            <a:endParaRPr lang="en-US" sz="4000" dirty="0"/>
           </a:p>
         </p:txBody>
       </p:sp>
@@ -7468,7 +7558,12 @@
             <p:ph type="title"/>
           </p:nvPr>
         </p:nvSpPr>
-        <p:spPr/>
+        <p:spPr>
+          <a:xfrm>
+            <a:off x="1879600" y="304800"/>
+            <a:ext cx="7048500" cy="1130300"/>
+          </a:xfrm>
+        </p:spPr>
         <p:txBody>
           <a:bodyPr/>
           <a:lstStyle/>
@@ -8086,8 +8181,8 @@
         </p:nvSpPr>
         <p:spPr>
           <a:xfrm>
-            <a:off x="1324203" y="304799"/>
-            <a:ext cx="7696200" cy="1184953"/>
+            <a:off x="1778001" y="254000"/>
+            <a:ext cx="7327899" cy="1244600"/>
           </a:xfrm>
         </p:spPr>
         <p:txBody>
@@ -8095,22 +8190,22 @@
           <a:lstStyle/>
           <a:p>
             <a:r>
-              <a:rPr lang="en-US" dirty="0" smtClean="0"/>
-              <a:t>Efficient Test for </a:t>
-            </a:r>
-            <a:r>
-              <a:rPr lang="en-US" dirty="0" err="1" smtClean="0">
+              <a:rPr lang="en-US" sz="4000" dirty="0" smtClean="0"/>
+              <a:t>Fast Test for </a:t>
+            </a:r>
+            <a:r>
+              <a:rPr lang="en-US" sz="4000" dirty="0" smtClean="0">
                 <a:solidFill>
                   <a:srgbClr val="006600"/>
                 </a:solidFill>
               </a:rPr>
-              <a:t>Satisfiability</a:t>
-            </a:r>
-            <a:r>
-              <a:rPr lang="en-US" dirty="0" smtClean="0"/>
+              <a:t>SAT</a:t>
+            </a:r>
+            <a:r>
+              <a:rPr lang="en-US" sz="4000" dirty="0" smtClean="0"/>
               <a:t>?</a:t>
             </a:r>
-            <a:endParaRPr lang="en-US" dirty="0"/>
+            <a:endParaRPr lang="en-US" sz="4000" dirty="0"/>
           </a:p>
         </p:txBody>
       </p:sp>
@@ -8205,10 +8300,37 @@
             </a:r>
             <a:r>
               <a:rPr lang="en-US" sz="4000" dirty="0" smtClean="0">
-                <a:latin typeface="Comic Sans MS" pitchFamily="66" charset="0"/>
-              </a:rPr>
-              <a:t>.</a:t>
-            </a:r>
+                <a:solidFill>
+                  <a:srgbClr val="006600"/>
+                </a:solidFill>
+                <a:latin typeface="Comic Sans MS" pitchFamily="66" charset="0"/>
+              </a:rPr>
+              <a:t> </a:t>
+            </a:r>
+            <a:r>
+              <a:rPr lang="en-US" sz="4000" dirty="0" smtClean="0">
+                <a:latin typeface="Comic Sans MS" pitchFamily="66" charset="0"/>
+              </a:rPr>
+              <a:t>(</a:t>
+            </a:r>
+            <a:r>
+              <a:rPr lang="en-US" sz="4000" dirty="0" smtClean="0">
+                <a:solidFill>
+                  <a:srgbClr val="006600"/>
+                </a:solidFill>
+                <a:latin typeface="Comic Sans MS" pitchFamily="66" charset="0"/>
+              </a:rPr>
+              <a:t>SAT</a:t>
+            </a:r>
+            <a:r>
+              <a:rPr lang="en-US" sz="4000" dirty="0" smtClean="0">
+                <a:latin typeface="Comic Sans MS" pitchFamily="66" charset="0"/>
+              </a:rPr>
+              <a:t>).</a:t>
+            </a:r>
+            <a:endParaRPr lang="en-US" sz="4000" dirty="0" smtClean="0">
+              <a:latin typeface="Comic Sans MS" pitchFamily="66" charset="0"/>
+            </a:endParaRPr>
           </a:p>
         </p:txBody>
       </p:sp>
@@ -8409,8 +8531,8 @@
         </p:nvSpPr>
         <p:spPr>
           <a:xfrm>
-            <a:off x="2022403" y="246023"/>
-            <a:ext cx="5314341" cy="1137484"/>
+            <a:off x="3051103" y="207922"/>
+            <a:ext cx="5635697" cy="1239878"/>
           </a:xfrm>
         </p:spPr>
         <p:txBody>
@@ -8418,10 +8540,10 @@
           <a:lstStyle/>
           <a:p>
             <a:r>
-              <a:rPr lang="en-US" dirty="0" smtClean="0"/>
+              <a:rPr lang="en-US" sz="4400" dirty="0" smtClean="0"/>
               <a:t>SAT versus VALID</a:t>
             </a:r>
-            <a:endParaRPr lang="en-US" dirty="0"/>
+            <a:endParaRPr lang="en-US" sz="4400" dirty="0"/>
           </a:p>
         </p:txBody>
       </p:sp>
@@ -8952,7 +9074,7 @@
         </p:nvSpPr>
         <p:spPr>
           <a:xfrm>
-            <a:off x="1877028" y="363537"/>
+            <a:off x="2562828" y="363537"/>
             <a:ext cx="5171044" cy="1023474"/>
           </a:xfrm>
         </p:spPr>
@@ -8976,7 +9098,7 @@
         </p:nvSpPr>
         <p:spPr>
           <a:xfrm>
-            <a:off x="453456" y="1447604"/>
+            <a:off x="466156" y="1447604"/>
             <a:ext cx="8289854" cy="4018247"/>
           </a:xfrm>
           <a:prstGeom prst="rect">
@@ -9341,8 +9463,8 @@
         </p:nvSpPr>
         <p:spPr>
           <a:xfrm>
-            <a:off x="1447800" y="284252"/>
-            <a:ext cx="7108694" cy="1263956"/>
+            <a:off x="2146300" y="284252"/>
+            <a:ext cx="6527800" cy="1227048"/>
           </a:xfrm>
         </p:spPr>
         <p:txBody>
@@ -9365,7 +9487,7 @@
         </p:nvSpPr>
         <p:spPr>
           <a:xfrm>
-            <a:off x="1" y="1704973"/>
+            <a:off x="1" y="1933573"/>
             <a:ext cx="9144000" cy="2862322"/>
           </a:xfrm>
           <a:prstGeom prst="rect">
@@ -9757,7 +9879,7 @@
         </p:nvSpPr>
         <p:spPr>
           <a:xfrm>
-            <a:off x="1132185" y="4021214"/>
+            <a:off x="1132185" y="4249814"/>
             <a:ext cx="498855" cy="769441"/>
           </a:xfrm>
           <a:prstGeom prst="rect">
@@ -9797,7 +9919,7 @@
         </p:nvSpPr>
         <p:spPr>
           <a:xfrm>
-            <a:off x="7048527" y="3852345"/>
+            <a:off x="7048527" y="4080945"/>
             <a:ext cx="465192" cy="646331"/>
           </a:xfrm>
           <a:prstGeom prst="rect">
@@ -9831,7 +9953,7 @@
         </p:nvSpPr>
         <p:spPr>
           <a:xfrm>
-            <a:off x="2571800" y="3973390"/>
+            <a:off x="2571800" y="4201990"/>
             <a:ext cx="465192" cy="646331"/>
           </a:xfrm>
           <a:prstGeom prst="rect">
@@ -9869,7 +9991,7 @@
         </p:nvSpPr>
         <p:spPr>
           <a:xfrm>
-            <a:off x="6013648" y="4000695"/>
+            <a:off x="6013648" y="4229295"/>
             <a:ext cx="465192" cy="769441"/>
           </a:xfrm>
           <a:prstGeom prst="rect">
@@ -9903,7 +10025,7 @@
         </p:nvSpPr>
         <p:spPr>
           <a:xfrm>
-            <a:off x="4345462" y="4057752"/>
+            <a:off x="4345462" y="4286352"/>
             <a:ext cx="726604" cy="1015663"/>
           </a:xfrm>
           <a:prstGeom prst="rect">
@@ -10233,7 +10355,7 @@
                             </p:stCondLst>
                             <p:childTnLst>
                               <p:par>
-                                <p:cTn id="23" presetID="2" presetClass="entr" presetSubtype="4" accel="50000" decel="50000" fill="hold" grpId="1" nodeType="clickEffect">
+                                <p:cTn id="23" presetID="2" presetClass="entr" presetSubtype="4" fill="hold" grpId="0" nodeType="clickEffect">
                                   <p:stCondLst>
                                     <p:cond delay="0"/>
                                   </p:stCondLst>
@@ -10246,7 +10368,7 @@
                                           </p:stCondLst>
                                         </p:cTn>
                                         <p:tgtEl>
-                                          <p:spTgt spid="9"/>
+                                          <p:spTgt spid="10"/>
                                         </p:tgtEl>
                                         <p:attrNameLst>
                                           <p:attrName>style.visibility</p:attrName>
@@ -10260,7 +10382,7 @@
                                       <p:cBhvr additive="base">
                                         <p:cTn id="25" dur="500" fill="hold"/>
                                         <p:tgtEl>
-                                          <p:spTgt spid="9"/>
+                                          <p:spTgt spid="10"/>
                                         </p:tgtEl>
                                         <p:attrNameLst>
                                           <p:attrName>ppt_x</p:attrName>
@@ -10283,7 +10405,7 @@
                                       <p:cBhvr additive="base">
                                         <p:cTn id="26" dur="500" fill="hold"/>
                                         <p:tgtEl>
-                                          <p:spTgt spid="9"/>
+                                          <p:spTgt spid="10"/>
                                         </p:tgtEl>
                                         <p:attrNameLst>
                                           <p:attrName>ppt_y</p:attrName>
@@ -10324,7 +10446,7 @@
                             </p:stCondLst>
                             <p:childTnLst>
                               <p:par>
-                                <p:cTn id="29" presetID="2" presetClass="entr" presetSubtype="4" fill="hold" grpId="0" nodeType="clickEffect">
+                                <p:cTn id="29" presetID="2" presetClass="entr" presetSubtype="4" accel="50000" decel="50000" fill="hold" grpId="1" nodeType="clickEffect">
                                   <p:stCondLst>
                                     <p:cond delay="0"/>
                                   </p:stCondLst>
@@ -10337,7 +10459,7 @@
                                           </p:stCondLst>
                                         </p:cTn>
                                         <p:tgtEl>
-                                          <p:spTgt spid="10"/>
+                                          <p:spTgt spid="9"/>
                                         </p:tgtEl>
                                         <p:attrNameLst>
                                           <p:attrName>style.visibility</p:attrName>
@@ -10351,7 +10473,7 @@
                                       <p:cBhvr additive="base">
                                         <p:cTn id="31" dur="500" fill="hold"/>
                                         <p:tgtEl>
-                                          <p:spTgt spid="10"/>
+                                          <p:spTgt spid="9"/>
                                         </p:tgtEl>
                                         <p:attrNameLst>
                                           <p:attrName>ppt_x</p:attrName>
@@ -10374,7 +10496,7 @@
                                       <p:cBhvr additive="base">
                                         <p:cTn id="32" dur="500" fill="hold"/>
                                         <p:tgtEl>
-                                          <p:spTgt spid="10"/>
+                                          <p:spTgt spid="9"/>
                                         </p:tgtEl>
                                         <p:attrNameLst>
                                           <p:attrName>ppt_y</p:attrName>
@@ -10785,7 +10907,7 @@
         </p:nvSpPr>
         <p:spPr>
           <a:xfrm>
-            <a:off x="2823112" y="377604"/>
+            <a:off x="3610512" y="364904"/>
             <a:ext cx="3497775" cy="1057299"/>
           </a:xfrm>
         </p:spPr>
@@ -12599,7 +12721,7 @@
         </p:nvSpPr>
         <p:spPr>
           <a:xfrm>
-            <a:off x="2411288" y="301893"/>
+            <a:off x="3338388" y="149493"/>
             <a:ext cx="4667607" cy="1002925"/>
           </a:xfrm>
         </p:spPr>
@@ -12608,7 +12730,7 @@
           <a:lstStyle/>
           <a:p>
             <a:r>
-              <a:rPr lang="en-US" sz="3600" dirty="0" err="1" smtClean="0">
+              <a:rPr lang="en-US" dirty="0" err="1" smtClean="0">
                 <a:solidFill>
                   <a:schemeClr val="tx1"/>
                 </a:solidFill>
@@ -12616,14 +12738,14 @@
               <a:t>DeMorgan’s</a:t>
             </a:r>
             <a:r>
-              <a:rPr lang="en-US" sz="3600" dirty="0" smtClean="0">
+              <a:rPr lang="en-US" dirty="0" smtClean="0">
                 <a:solidFill>
                   <a:schemeClr val="tx1"/>
                 </a:solidFill>
               </a:rPr>
               <a:t> Law</a:t>
             </a:r>
-            <a:endParaRPr lang="en-US" sz="3600" dirty="0">
+            <a:endParaRPr lang="en-US" dirty="0">
               <a:solidFill>
                 <a:schemeClr val="tx1"/>
               </a:solidFill>
@@ -13440,7 +13562,7 @@
           <a:graphicData uri="http://schemas.openxmlformats.org/presentationml/2006/ole">
             <mc:AlternateContent xmlns:mc="http://schemas.openxmlformats.org/markup-compatibility/2006">
               <mc:Choice xmlns:v="urn:schemas-microsoft-com:vml" Requires="v">
-                <p:oleObj spid="_x0000_s402707" name="Equation" r:id="rId4" imgW="800100" imgH="228600" progId="Equation.DSMT4">
+                <p:oleObj spid="_x0000_s402724" name="Equation" r:id="rId4" imgW="800100" imgH="228600" progId="Equation.DSMT4">
                   <p:embed/>
                 </p:oleObj>
               </mc:Choice>
@@ -13502,7 +13624,7 @@
           <a:graphicData uri="http://schemas.openxmlformats.org/presentationml/2006/ole">
             <mc:AlternateContent xmlns:mc="http://schemas.openxmlformats.org/markup-compatibility/2006">
               <mc:Choice xmlns:v="urn:schemas-microsoft-com:vml" Requires="v">
-                <p:oleObj spid="_x0000_s402708" name="Equation" r:id="rId6" imgW="622300" imgH="241300" progId="Equation.DSMT4">
+                <p:oleObj spid="_x0000_s402725" name="Equation" r:id="rId6" imgW="622300" imgH="241300" progId="Equation.DSMT4">
                   <p:embed/>
                 </p:oleObj>
               </mc:Choice>
@@ -13610,7 +13732,7 @@
             <a:graphicData uri="http://schemas.openxmlformats.org/presentationml/2006/ole">
               <mc:AlternateContent xmlns:mc="http://schemas.openxmlformats.org/markup-compatibility/2006">
                 <mc:Choice xmlns:v="urn:schemas-microsoft-com:vml" Requires="v">
-                  <p:oleObj spid="_x0000_s402709" name="Equation" r:id="rId8" imgW="622300" imgH="241300" progId="Equation.DSMT4">
+                  <p:oleObj spid="_x0000_s402726" name="Equation" r:id="rId8" imgW="622300" imgH="241300" progId="Equation.DSMT4">
                     <p:embed/>
                   </p:oleObj>
                 </mc:Choice>
@@ -13667,7 +13789,7 @@
             <a:graphicData uri="http://schemas.openxmlformats.org/presentationml/2006/ole">
               <mc:AlternateContent xmlns:mc="http://schemas.openxmlformats.org/markup-compatibility/2006">
                 <mc:Choice xmlns:v="urn:schemas-microsoft-com:vml" Requires="v">
-                  <p:oleObj spid="_x0000_s402710" name="Equation" r:id="rId9" imgW="609600" imgH="304800" progId="Equation.DSMT4">
+                  <p:oleObj spid="_x0000_s402727" name="Equation" r:id="rId9" imgW="609600" imgH="304800" progId="Equation.DSMT4">
                     <p:embed/>
                   </p:oleObj>
                 </mc:Choice>
@@ -15992,50 +16114,6 @@
       </p:grpSp>
       <p:sp>
         <p:nvSpPr>
-          <p:cNvPr id="89" name="Title 88"/>
-          <p:cNvSpPr>
-            <a:spLocks noGrp="1"/>
-          </p:cNvSpPr>
-          <p:nvPr>
-            <p:ph type="title" sz="quarter"/>
-          </p:nvPr>
-        </p:nvSpPr>
-        <p:spPr>
-          <a:xfrm>
-            <a:off x="2411288" y="301893"/>
-            <a:ext cx="4667607" cy="1002925"/>
-          </a:xfrm>
-        </p:spPr>
-        <p:txBody>
-          <a:bodyPr/>
-          <a:lstStyle/>
-          <a:p>
-            <a:r>
-              <a:rPr lang="en-US" sz="3600" dirty="0" err="1" smtClean="0">
-                <a:solidFill>
-                  <a:schemeClr val="tx1"/>
-                </a:solidFill>
-              </a:rPr>
-              <a:t>DeMorgan’s</a:t>
-            </a:r>
-            <a:r>
-              <a:rPr lang="en-US" sz="3600" dirty="0" smtClean="0">
-                <a:solidFill>
-                  <a:schemeClr val="tx1"/>
-                </a:solidFill>
-              </a:rPr>
-              <a:t> Law</a:t>
-            </a:r>
-            <a:endParaRPr lang="en-US" sz="3600" dirty="0">
-              <a:solidFill>
-                <a:schemeClr val="tx1"/>
-              </a:solidFill>
-            </a:endParaRPr>
-          </a:p>
-        </p:txBody>
-      </p:sp>
-      <p:sp>
-        <p:nvSpPr>
           <p:cNvPr id="84" name="Slide Number Placeholder 2"/>
           <p:cNvSpPr txBox="1">
             <a:spLocks/>
@@ -16843,7 +16921,7 @@
           <a:graphicData uri="http://schemas.openxmlformats.org/presentationml/2006/ole">
             <mc:AlternateContent xmlns:mc="http://schemas.openxmlformats.org/markup-compatibility/2006">
               <mc:Choice xmlns:v="urn:schemas-microsoft-com:vml" Requires="v">
-                <p:oleObj spid="_x0000_s414848" name="Equation" r:id="rId4" imgW="800100" imgH="228600" progId="Equation.DSMT4">
+                <p:oleObj spid="_x0000_s414865" name="Equation" r:id="rId4" imgW="800100" imgH="228600" progId="Equation.DSMT4">
                   <p:embed/>
                 </p:oleObj>
               </mc:Choice>
@@ -16905,7 +16983,7 @@
           <a:graphicData uri="http://schemas.openxmlformats.org/presentationml/2006/ole">
             <mc:AlternateContent xmlns:mc="http://schemas.openxmlformats.org/markup-compatibility/2006">
               <mc:Choice xmlns:v="urn:schemas-microsoft-com:vml" Requires="v">
-                <p:oleObj spid="_x0000_s414849" name="Equation" r:id="rId6" imgW="622300" imgH="241300" progId="Equation.DSMT4">
+                <p:oleObj spid="_x0000_s414866" name="Equation" r:id="rId6" imgW="622300" imgH="241300" progId="Equation.DSMT4">
                   <p:embed/>
                 </p:oleObj>
               </mc:Choice>
@@ -17013,7 +17091,7 @@
             <a:graphicData uri="http://schemas.openxmlformats.org/presentationml/2006/ole">
               <mc:AlternateContent xmlns:mc="http://schemas.openxmlformats.org/markup-compatibility/2006">
                 <mc:Choice xmlns:v="urn:schemas-microsoft-com:vml" Requires="v">
-                  <p:oleObj spid="_x0000_s414850" name="Equation" r:id="rId8" imgW="622300" imgH="241300" progId="Equation.DSMT4">
+                  <p:oleObj spid="_x0000_s414867" name="Equation" r:id="rId8" imgW="622300" imgH="241300" progId="Equation.DSMT4">
                     <p:embed/>
                   </p:oleObj>
                 </mc:Choice>
@@ -17070,7 +17148,7 @@
             <a:graphicData uri="http://schemas.openxmlformats.org/presentationml/2006/ole">
               <mc:AlternateContent xmlns:mc="http://schemas.openxmlformats.org/markup-compatibility/2006">
                 <mc:Choice xmlns:v="urn:schemas-microsoft-com:vml" Requires="v">
-                  <p:oleObj spid="_x0000_s414851" name="Equation" r:id="rId9" imgW="609600" imgH="304800" progId="Equation.DSMT4">
+                  <p:oleObj spid="_x0000_s414868" name="Equation" r:id="rId9" imgW="609600" imgH="304800" progId="Equation.DSMT4">
                     <p:embed/>
                   </p:oleObj>
                 </mc:Choice>
@@ -17495,6 +17573,50 @@
           </a:p>
         </p:txBody>
       </p:sp>
+      <p:sp>
+        <p:nvSpPr>
+          <p:cNvPr id="82" name="Title 88"/>
+          <p:cNvSpPr>
+            <a:spLocks noGrp="1"/>
+          </p:cNvSpPr>
+          <p:nvPr>
+            <p:ph type="title" sz="quarter"/>
+          </p:nvPr>
+        </p:nvSpPr>
+        <p:spPr>
+          <a:xfrm>
+            <a:off x="3338388" y="149493"/>
+            <a:ext cx="4667607" cy="1002925"/>
+          </a:xfrm>
+        </p:spPr>
+        <p:txBody>
+          <a:bodyPr/>
+          <a:lstStyle/>
+          <a:p>
+            <a:r>
+              <a:rPr lang="en-US" dirty="0" err="1" smtClean="0">
+                <a:solidFill>
+                  <a:schemeClr val="tx1"/>
+                </a:solidFill>
+              </a:rPr>
+              <a:t>DeMorgan’s</a:t>
+            </a:r>
+            <a:r>
+              <a:rPr lang="en-US" dirty="0" smtClean="0">
+                <a:solidFill>
+                  <a:schemeClr val="tx1"/>
+                </a:solidFill>
+              </a:rPr>
+              <a:t> Law</a:t>
+            </a:r>
+            <a:endParaRPr lang="en-US" dirty="0">
+              <a:solidFill>
+                <a:schemeClr val="tx1"/>
+              </a:solidFill>
+            </a:endParaRPr>
+          </a:p>
+        </p:txBody>
+      </p:sp>
     </p:spTree>
     <p:extLst>
       <p:ext uri="{BB962C8B-B14F-4D97-AF65-F5344CB8AC3E}">
@@ -17746,8 +17868,8 @@
         </p:nvSpPr>
         <p:spPr>
           <a:xfrm>
-            <a:off x="1593850" y="208417"/>
-            <a:ext cx="6794500" cy="1003300"/>
+            <a:off x="3917950" y="157616"/>
+            <a:ext cx="4400550" cy="1036183"/>
           </a:xfrm>
         </p:spPr>
         <p:txBody>
@@ -19142,8 +19264,8 @@
         </p:nvSpPr>
         <p:spPr>
           <a:xfrm>
-            <a:off x="1720562" y="658082"/>
-            <a:ext cx="5960647" cy="1113035"/>
+            <a:off x="2406362" y="327882"/>
+            <a:ext cx="6293138" cy="1158017"/>
           </a:xfrm>
         </p:spPr>
         <p:txBody>
@@ -19151,14 +19273,14 @@
           <a:lstStyle/>
           <a:p>
             <a:r>
-              <a:rPr lang="en-US" sz="3600" dirty="0" err="1" smtClean="0"/>
+              <a:rPr lang="en-US" sz="4000" dirty="0" err="1" smtClean="0"/>
               <a:t>Satisfiability</a:t>
             </a:r>
             <a:r>
-              <a:rPr lang="en-US" dirty="0" smtClean="0"/>
+              <a:rPr lang="en-US" sz="4000" dirty="0" smtClean="0"/>
               <a:t> &amp; Validity </a:t>
             </a:r>
-            <a:endParaRPr lang="en-US" sz="3600" dirty="0"/>
+            <a:endParaRPr lang="en-US" sz="4000" dirty="0"/>
           </a:p>
         </p:txBody>
       </p:sp>

--- a/spring15/slidesS15/truth-tables.pptx
+++ b/spring15/slidesS15/truth-tables.pptx
@@ -3,34 +3,33 @@
 <p:presentation xmlns:a="http://schemas.openxmlformats.org/drawingml/2006/main" xmlns:r="http://schemas.openxmlformats.org/officeDocument/2006/relationships" xmlns:p="http://schemas.openxmlformats.org/presentationml/2006/main" embedTrueTypeFonts="1">
   <p:sldMasterIdLst>
     <p:sldMasterId id="2147483650" r:id="rId1"/>
-    <p:sldMasterId id="2147483651" r:id="rId2"/>
   </p:sldMasterIdLst>
   <p:notesMasterIdLst>
-    <p:notesMasterId r:id="rId17"/>
+    <p:notesMasterId r:id="rId16"/>
   </p:notesMasterIdLst>
   <p:handoutMasterIdLst>
-    <p:handoutMasterId r:id="rId18"/>
+    <p:handoutMasterId r:id="rId17"/>
   </p:handoutMasterIdLst>
   <p:sldIdLst>
-    <p:sldId id="392" r:id="rId3"/>
-    <p:sldId id="408" r:id="rId4"/>
-    <p:sldId id="461" r:id="rId5"/>
-    <p:sldId id="410" r:id="rId6"/>
-    <p:sldId id="463" r:id="rId7"/>
-    <p:sldId id="484" r:id="rId8"/>
-    <p:sldId id="412" r:id="rId9"/>
-    <p:sldId id="443" r:id="rId10"/>
-    <p:sldId id="464" r:id="rId11"/>
-    <p:sldId id="474" r:id="rId12"/>
-    <p:sldId id="473" r:id="rId13"/>
-    <p:sldId id="446" r:id="rId14"/>
-    <p:sldId id="460" r:id="rId15"/>
-    <p:sldId id="459" r:id="rId16"/>
+    <p:sldId id="392" r:id="rId2"/>
+    <p:sldId id="408" r:id="rId3"/>
+    <p:sldId id="461" r:id="rId4"/>
+    <p:sldId id="410" r:id="rId5"/>
+    <p:sldId id="463" r:id="rId6"/>
+    <p:sldId id="484" r:id="rId7"/>
+    <p:sldId id="412" r:id="rId8"/>
+    <p:sldId id="443" r:id="rId9"/>
+    <p:sldId id="464" r:id="rId10"/>
+    <p:sldId id="474" r:id="rId11"/>
+    <p:sldId id="473" r:id="rId12"/>
+    <p:sldId id="446" r:id="rId13"/>
+    <p:sldId id="460" r:id="rId14"/>
+    <p:sldId id="459" r:id="rId15"/>
   </p:sldIdLst>
   <p:sldSz cx="9144000" cy="6858000" type="screen4x3"/>
   <p:notesSz cx="9601200" cy="7315200"/>
   <p:custDataLst>
-    <p:tags r:id="rId20"/>
+    <p:tags r:id="rId19"/>
   </p:custDataLst>
   <p:defaultTextStyle>
     <a:defPPr>
@@ -2169,993 +2168,6 @@
 </p:sldLayout>
 </file>
 
-<file path=ppt/slideLayouts/slideLayout10.xml><?xml version="1.0" encoding="utf-8"?>
-<p:sldLayout xmlns:a="http://schemas.openxmlformats.org/drawingml/2006/main" xmlns:r="http://schemas.openxmlformats.org/officeDocument/2006/relationships" xmlns:p="http://schemas.openxmlformats.org/presentationml/2006/main" type="title" preserve="1">
-  <p:cSld name="Title Slide">
-    <p:spTree>
-      <p:nvGrpSpPr>
-        <p:cNvPr id="1" name=""/>
-        <p:cNvGrpSpPr/>
-        <p:nvPr/>
-      </p:nvGrpSpPr>
-      <p:grpSpPr>
-        <a:xfrm>
-          <a:off x="0" y="0"/>
-          <a:ext cx="0" cy="0"/>
-          <a:chOff x="0" y="0"/>
-          <a:chExt cx="0" cy="0"/>
-        </a:xfrm>
-      </p:grpSpPr>
-      <p:sp>
-        <p:nvSpPr>
-          <p:cNvPr id="2" name="Title 1"/>
-          <p:cNvSpPr>
-            <a:spLocks noGrp="1"/>
-          </p:cNvSpPr>
-          <p:nvPr>
-            <p:ph type="ctrTitle"/>
-          </p:nvPr>
-        </p:nvSpPr>
-        <p:spPr>
-          <a:xfrm>
-            <a:off x="685800" y="2130425"/>
-            <a:ext cx="7772400" cy="1470025"/>
-          </a:xfrm>
-        </p:spPr>
-        <p:txBody>
-          <a:bodyPr/>
-          <a:lstStyle/>
-          <a:p>
-            <a:r>
-              <a:rPr lang="en-US" smtClean="0"/>
-              <a:t>Click to edit Master title style</a:t>
-            </a:r>
-            <a:endParaRPr lang="en-US"/>
-          </a:p>
-        </p:txBody>
-      </p:sp>
-      <p:sp>
-        <p:nvSpPr>
-          <p:cNvPr id="3" name="Subtitle 2"/>
-          <p:cNvSpPr>
-            <a:spLocks noGrp="1"/>
-          </p:cNvSpPr>
-          <p:nvPr>
-            <p:ph type="subTitle" idx="1"/>
-          </p:nvPr>
-        </p:nvSpPr>
-        <p:spPr>
-          <a:xfrm>
-            <a:off x="1371600" y="3886200"/>
-            <a:ext cx="6400800" cy="1752600"/>
-          </a:xfrm>
-        </p:spPr>
-        <p:txBody>
-          <a:bodyPr/>
-          <a:lstStyle>
-            <a:lvl1pPr marL="0" indent="0" algn="ctr">
-              <a:buNone/>
-              <a:defRPr/>
-            </a:lvl1pPr>
-            <a:lvl2pPr marL="457200" indent="0" algn="ctr">
-              <a:buNone/>
-              <a:defRPr/>
-            </a:lvl2pPr>
-            <a:lvl3pPr marL="914400" indent="0" algn="ctr">
-              <a:buNone/>
-              <a:defRPr/>
-            </a:lvl3pPr>
-            <a:lvl4pPr marL="1371600" indent="0" algn="ctr">
-              <a:buNone/>
-              <a:defRPr/>
-            </a:lvl4pPr>
-            <a:lvl5pPr marL="1828800" indent="0" algn="ctr">
-              <a:buNone/>
-              <a:defRPr/>
-            </a:lvl5pPr>
-            <a:lvl6pPr marL="2286000" indent="0" algn="ctr">
-              <a:buNone/>
-              <a:defRPr/>
-            </a:lvl6pPr>
-            <a:lvl7pPr marL="2743200" indent="0" algn="ctr">
-              <a:buNone/>
-              <a:defRPr/>
-            </a:lvl7pPr>
-            <a:lvl8pPr marL="3200400" indent="0" algn="ctr">
-              <a:buNone/>
-              <a:defRPr/>
-            </a:lvl8pPr>
-            <a:lvl9pPr marL="3657600" indent="0" algn="ctr">
-              <a:buNone/>
-              <a:defRPr/>
-            </a:lvl9pPr>
-          </a:lstStyle>
-          <a:p>
-            <a:r>
-              <a:rPr lang="en-US" smtClean="0"/>
-              <a:t>Click to edit Master subtitle style</a:t>
-            </a:r>
-            <a:endParaRPr lang="en-US"/>
-          </a:p>
-        </p:txBody>
-      </p:sp>
-      <p:sp>
-        <p:nvSpPr>
-          <p:cNvPr id="4" name="Rectangle 4"/>
-          <p:cNvSpPr>
-            <a:spLocks noGrp="1" noChangeArrowheads="1"/>
-          </p:cNvSpPr>
-          <p:nvPr>
-            <p:ph type="sldNum" sz="quarter" idx="10"/>
-          </p:nvPr>
-        </p:nvSpPr>
-        <p:spPr>
-          <a:ln/>
-        </p:spPr>
-        <p:txBody>
-          <a:bodyPr/>
-          <a:lstStyle>
-            <a:lvl1pPr>
-              <a:defRPr/>
-            </a:lvl1pPr>
-          </a:lstStyle>
-          <a:p>
-            <a:pPr>
-              <a:defRPr/>
-            </a:pPr>
-            <a:r>
-              <a:rPr lang="en-US" dirty="0" smtClean="0"/>
-              <a:t>truth-tables.</a:t>
-            </a:r>
-            <a:fld id="{671A9335-2B28-465B-823D-6F18B2E54319}" type="slidenum">
-              <a:rPr lang="en-US" smtClean="0"/>
-              <a:pPr>
-                <a:defRPr/>
-              </a:pPr>
-              <a:t>‹#›</a:t>
-            </a:fld>
-            <a:endParaRPr lang="en-US" dirty="0"/>
-          </a:p>
-        </p:txBody>
-      </p:sp>
-    </p:spTree>
-  </p:cSld>
-  <p:clrMapOvr>
-    <a:masterClrMapping/>
-  </p:clrMapOvr>
-  <p:transition xmlns:p14="http://schemas.microsoft.com/office/powerpoint/2010/main">
-    <p:fade/>
-  </p:transition>
-</p:sldLayout>
-</file>
-
-<file path=ppt/slideLayouts/slideLayout11.xml><?xml version="1.0" encoding="utf-8"?>
-<p:sldLayout xmlns:a="http://schemas.openxmlformats.org/drawingml/2006/main" xmlns:r="http://schemas.openxmlformats.org/officeDocument/2006/relationships" xmlns:p="http://schemas.openxmlformats.org/presentationml/2006/main" type="obj" preserve="1">
-  <p:cSld name="Title and Content">
-    <p:spTree>
-      <p:nvGrpSpPr>
-        <p:cNvPr id="1" name=""/>
-        <p:cNvGrpSpPr/>
-        <p:nvPr/>
-      </p:nvGrpSpPr>
-      <p:grpSpPr>
-        <a:xfrm>
-          <a:off x="0" y="0"/>
-          <a:ext cx="0" cy="0"/>
-          <a:chOff x="0" y="0"/>
-          <a:chExt cx="0" cy="0"/>
-        </a:xfrm>
-      </p:grpSpPr>
-      <p:sp>
-        <p:nvSpPr>
-          <p:cNvPr id="2" name="Title 1"/>
-          <p:cNvSpPr>
-            <a:spLocks noGrp="1"/>
-          </p:cNvSpPr>
-          <p:nvPr>
-            <p:ph type="title"/>
-          </p:nvPr>
-        </p:nvSpPr>
-        <p:spPr/>
-        <p:txBody>
-          <a:bodyPr/>
-          <a:lstStyle>
-            <a:lvl1pPr>
-              <a:defRPr sz="3600"/>
-            </a:lvl1pPr>
-          </a:lstStyle>
-          <a:p>
-            <a:r>
-              <a:rPr lang="en-US" dirty="0" smtClean="0"/>
-              <a:t>Click to edit Master title style</a:t>
-            </a:r>
-            <a:endParaRPr lang="en-US" dirty="0"/>
-          </a:p>
-        </p:txBody>
-      </p:sp>
-      <p:sp>
-        <p:nvSpPr>
-          <p:cNvPr id="3" name="Content Placeholder 2"/>
-          <p:cNvSpPr>
-            <a:spLocks noGrp="1"/>
-          </p:cNvSpPr>
-          <p:nvPr>
-            <p:ph idx="1"/>
-          </p:nvPr>
-        </p:nvSpPr>
-        <p:spPr/>
-        <p:txBody>
-          <a:bodyPr/>
-          <a:lstStyle>
-            <a:lvl1pPr>
-              <a:buNone/>
-              <a:defRPr>
-                <a:latin typeface="Comic Sans MS" pitchFamily="66" charset="0"/>
-              </a:defRPr>
-            </a:lvl1pPr>
-          </a:lstStyle>
-          <a:p>
-            <a:pPr lvl="0"/>
-            <a:r>
-              <a:rPr lang="en-US" dirty="0" smtClean="0"/>
-              <a:t>Click to edit Master text styles</a:t>
-            </a:r>
-          </a:p>
-        </p:txBody>
-      </p:sp>
-      <p:sp>
-        <p:nvSpPr>
-          <p:cNvPr id="4" name="Rectangle 4"/>
-          <p:cNvSpPr>
-            <a:spLocks noGrp="1" noChangeArrowheads="1"/>
-          </p:cNvSpPr>
-          <p:nvPr>
-            <p:ph type="sldNum" sz="quarter" idx="10"/>
-          </p:nvPr>
-        </p:nvSpPr>
-        <p:spPr>
-          <a:ln/>
-        </p:spPr>
-        <p:txBody>
-          <a:bodyPr/>
-          <a:lstStyle>
-            <a:lvl1pPr>
-              <a:defRPr/>
-            </a:lvl1pPr>
-          </a:lstStyle>
-          <a:p>
-            <a:pPr>
-              <a:defRPr/>
-            </a:pPr>
-            <a:r>
-              <a:rPr lang="en-US" dirty="0" smtClean="0"/>
-              <a:t>truth-tables.</a:t>
-            </a:r>
-            <a:fld id="{19F24CE2-1F4B-4512-B5C9-C4086662BBB7}" type="slidenum">
-              <a:rPr lang="en-US" smtClean="0"/>
-              <a:pPr>
-                <a:defRPr/>
-              </a:pPr>
-              <a:t>‹#›</a:t>
-            </a:fld>
-            <a:endParaRPr lang="en-US" dirty="0"/>
-          </a:p>
-        </p:txBody>
-      </p:sp>
-    </p:spTree>
-  </p:cSld>
-  <p:clrMapOvr>
-    <a:masterClrMapping/>
-  </p:clrMapOvr>
-  <p:transition xmlns:p14="http://schemas.microsoft.com/office/powerpoint/2010/main">
-    <p:fade/>
-  </p:transition>
-</p:sldLayout>
-</file>
-
-<file path=ppt/slideLayouts/slideLayout12.xml><?xml version="1.0" encoding="utf-8"?>
-<p:sldLayout xmlns:a="http://schemas.openxmlformats.org/drawingml/2006/main" xmlns:r="http://schemas.openxmlformats.org/officeDocument/2006/relationships" xmlns:p="http://schemas.openxmlformats.org/presentationml/2006/main" type="secHead" preserve="1">
-  <p:cSld name="Section Header">
-    <p:spTree>
-      <p:nvGrpSpPr>
-        <p:cNvPr id="1" name=""/>
-        <p:cNvGrpSpPr/>
-        <p:nvPr/>
-      </p:nvGrpSpPr>
-      <p:grpSpPr>
-        <a:xfrm>
-          <a:off x="0" y="0"/>
-          <a:ext cx="0" cy="0"/>
-          <a:chOff x="0" y="0"/>
-          <a:chExt cx="0" cy="0"/>
-        </a:xfrm>
-      </p:grpSpPr>
-      <p:sp>
-        <p:nvSpPr>
-          <p:cNvPr id="2" name="Title 1"/>
-          <p:cNvSpPr>
-            <a:spLocks noGrp="1"/>
-          </p:cNvSpPr>
-          <p:nvPr>
-            <p:ph type="title"/>
-          </p:nvPr>
-        </p:nvSpPr>
-        <p:spPr>
-          <a:xfrm>
-            <a:off x="722313" y="4406900"/>
-            <a:ext cx="7772400" cy="1362075"/>
-          </a:xfrm>
-        </p:spPr>
-        <p:txBody>
-          <a:bodyPr anchor="t"/>
-          <a:lstStyle>
-            <a:lvl1pPr algn="l">
-              <a:defRPr sz="4000" b="1" cap="all"/>
-            </a:lvl1pPr>
-          </a:lstStyle>
-          <a:p>
-            <a:r>
-              <a:rPr lang="en-US" smtClean="0"/>
-              <a:t>Click to edit Master title style</a:t>
-            </a:r>
-            <a:endParaRPr lang="en-US"/>
-          </a:p>
-        </p:txBody>
-      </p:sp>
-      <p:sp>
-        <p:nvSpPr>
-          <p:cNvPr id="3" name="Text Placeholder 2"/>
-          <p:cNvSpPr>
-            <a:spLocks noGrp="1"/>
-          </p:cNvSpPr>
-          <p:nvPr>
-            <p:ph type="body" idx="1"/>
-          </p:nvPr>
-        </p:nvSpPr>
-        <p:spPr>
-          <a:xfrm>
-            <a:off x="722313" y="2906713"/>
-            <a:ext cx="7772400" cy="1500187"/>
-          </a:xfrm>
-        </p:spPr>
-        <p:txBody>
-          <a:bodyPr anchor="b"/>
-          <a:lstStyle>
-            <a:lvl1pPr marL="0" indent="0">
-              <a:buNone/>
-              <a:defRPr sz="2000"/>
-            </a:lvl1pPr>
-            <a:lvl2pPr marL="457200" indent="0">
-              <a:buNone/>
-              <a:defRPr sz="1800"/>
-            </a:lvl2pPr>
-            <a:lvl3pPr marL="914400" indent="0">
-              <a:buNone/>
-              <a:defRPr sz="1600"/>
-            </a:lvl3pPr>
-            <a:lvl4pPr marL="1371600" indent="0">
-              <a:buNone/>
-              <a:defRPr sz="1400"/>
-            </a:lvl4pPr>
-            <a:lvl5pPr marL="1828800" indent="0">
-              <a:buNone/>
-              <a:defRPr sz="1400"/>
-            </a:lvl5pPr>
-            <a:lvl6pPr marL="2286000" indent="0">
-              <a:buNone/>
-              <a:defRPr sz="1400"/>
-            </a:lvl6pPr>
-            <a:lvl7pPr marL="2743200" indent="0">
-              <a:buNone/>
-              <a:defRPr sz="1400"/>
-            </a:lvl7pPr>
-            <a:lvl8pPr marL="3200400" indent="0">
-              <a:buNone/>
-              <a:defRPr sz="1400"/>
-            </a:lvl8pPr>
-            <a:lvl9pPr marL="3657600" indent="0">
-              <a:buNone/>
-              <a:defRPr sz="1400"/>
-            </a:lvl9pPr>
-          </a:lstStyle>
-          <a:p>
-            <a:pPr lvl="0"/>
-            <a:r>
-              <a:rPr lang="en-US" smtClean="0"/>
-              <a:t>Click to edit Master text styles</a:t>
-            </a:r>
-          </a:p>
-        </p:txBody>
-      </p:sp>
-      <p:sp>
-        <p:nvSpPr>
-          <p:cNvPr id="4" name="Rectangle 4"/>
-          <p:cNvSpPr>
-            <a:spLocks noGrp="1" noChangeArrowheads="1"/>
-          </p:cNvSpPr>
-          <p:nvPr>
-            <p:ph type="sldNum" sz="quarter" idx="10"/>
-          </p:nvPr>
-        </p:nvSpPr>
-        <p:spPr>
-          <a:ln/>
-        </p:spPr>
-        <p:txBody>
-          <a:bodyPr/>
-          <a:lstStyle>
-            <a:lvl1pPr>
-              <a:defRPr/>
-            </a:lvl1pPr>
-          </a:lstStyle>
-          <a:p>
-            <a:pPr>
-              <a:defRPr/>
-            </a:pPr>
-            <a:r>
-              <a:rPr lang="en-US" dirty="0" smtClean="0"/>
-              <a:t>truth-tables.</a:t>
-            </a:r>
-            <a:fld id="{37824D00-345F-4FD0-936A-71B5AC18468B}" type="slidenum">
-              <a:rPr lang="en-US" smtClean="0"/>
-              <a:pPr>
-                <a:defRPr/>
-              </a:pPr>
-              <a:t>‹#›</a:t>
-            </a:fld>
-            <a:endParaRPr lang="en-US" dirty="0"/>
-          </a:p>
-        </p:txBody>
-      </p:sp>
-    </p:spTree>
-  </p:cSld>
-  <p:clrMapOvr>
-    <a:masterClrMapping/>
-  </p:clrMapOvr>
-  <p:transition xmlns:p14="http://schemas.microsoft.com/office/powerpoint/2010/main">
-    <p:fade/>
-  </p:transition>
-</p:sldLayout>
-</file>
-
-<file path=ppt/slideLayouts/slideLayout13.xml><?xml version="1.0" encoding="utf-8"?>
-<p:sldLayout xmlns:a="http://schemas.openxmlformats.org/drawingml/2006/main" xmlns:r="http://schemas.openxmlformats.org/officeDocument/2006/relationships" xmlns:p="http://schemas.openxmlformats.org/presentationml/2006/main" type="titleOnly" preserve="1">
-  <p:cSld name="Title Only">
-    <p:spTree>
-      <p:nvGrpSpPr>
-        <p:cNvPr id="1" name=""/>
-        <p:cNvGrpSpPr/>
-        <p:nvPr/>
-      </p:nvGrpSpPr>
-      <p:grpSpPr>
-        <a:xfrm>
-          <a:off x="0" y="0"/>
-          <a:ext cx="0" cy="0"/>
-          <a:chOff x="0" y="0"/>
-          <a:chExt cx="0" cy="0"/>
-        </a:xfrm>
-      </p:grpSpPr>
-      <p:sp>
-        <p:nvSpPr>
-          <p:cNvPr id="2" name="Title 1"/>
-          <p:cNvSpPr>
-            <a:spLocks noGrp="1"/>
-          </p:cNvSpPr>
-          <p:nvPr>
-            <p:ph type="title"/>
-          </p:nvPr>
-        </p:nvSpPr>
-        <p:spPr/>
-        <p:txBody>
-          <a:bodyPr/>
-          <a:lstStyle>
-            <a:lvl1pPr>
-              <a:defRPr sz="3600"/>
-            </a:lvl1pPr>
-          </a:lstStyle>
-          <a:p>
-            <a:r>
-              <a:rPr lang="en-US" dirty="0" smtClean="0"/>
-              <a:t>Click to edit Master title style</a:t>
-            </a:r>
-            <a:endParaRPr lang="en-US" dirty="0"/>
-          </a:p>
-        </p:txBody>
-      </p:sp>
-      <p:sp>
-        <p:nvSpPr>
-          <p:cNvPr id="3" name="Rectangle 4"/>
-          <p:cNvSpPr>
-            <a:spLocks noGrp="1" noChangeArrowheads="1"/>
-          </p:cNvSpPr>
-          <p:nvPr>
-            <p:ph type="sldNum" sz="quarter" idx="10"/>
-          </p:nvPr>
-        </p:nvSpPr>
-        <p:spPr>
-          <a:ln/>
-        </p:spPr>
-        <p:txBody>
-          <a:bodyPr/>
-          <a:lstStyle>
-            <a:lvl1pPr>
-              <a:defRPr/>
-            </a:lvl1pPr>
-          </a:lstStyle>
-          <a:p>
-            <a:pPr>
-              <a:defRPr/>
-            </a:pPr>
-            <a:r>
-              <a:rPr lang="en-US" dirty="0" smtClean="0"/>
-              <a:t>truth-tables.</a:t>
-            </a:r>
-            <a:fld id="{C1105D0F-4076-4DA8-8BBA-221619D9A970}" type="slidenum">
-              <a:rPr lang="en-US" smtClean="0"/>
-              <a:pPr>
-                <a:defRPr/>
-              </a:pPr>
-              <a:t>‹#›</a:t>
-            </a:fld>
-            <a:endParaRPr lang="en-US" dirty="0"/>
-          </a:p>
-        </p:txBody>
-      </p:sp>
-    </p:spTree>
-  </p:cSld>
-  <p:clrMapOvr>
-    <a:masterClrMapping/>
-  </p:clrMapOvr>
-  <p:transition xmlns:p14="http://schemas.microsoft.com/office/powerpoint/2010/main">
-    <p:fade/>
-  </p:transition>
-</p:sldLayout>
-</file>
-
-<file path=ppt/slideLayouts/slideLayout14.xml><?xml version="1.0" encoding="utf-8"?>
-<p:sldLayout xmlns:a="http://schemas.openxmlformats.org/drawingml/2006/main" xmlns:r="http://schemas.openxmlformats.org/officeDocument/2006/relationships" xmlns:p="http://schemas.openxmlformats.org/presentationml/2006/main" type="blank" preserve="1">
-  <p:cSld name="Blank">
-    <p:spTree>
-      <p:nvGrpSpPr>
-        <p:cNvPr id="1" name=""/>
-        <p:cNvGrpSpPr/>
-        <p:nvPr/>
-      </p:nvGrpSpPr>
-      <p:grpSpPr>
-        <a:xfrm>
-          <a:off x="0" y="0"/>
-          <a:ext cx="0" cy="0"/>
-          <a:chOff x="0" y="0"/>
-          <a:chExt cx="0" cy="0"/>
-        </a:xfrm>
-      </p:grpSpPr>
-      <p:sp>
-        <p:nvSpPr>
-          <p:cNvPr id="2" name="Rectangle 4"/>
-          <p:cNvSpPr>
-            <a:spLocks noGrp="1" noChangeArrowheads="1"/>
-          </p:cNvSpPr>
-          <p:nvPr>
-            <p:ph type="sldNum" sz="quarter" idx="10"/>
-          </p:nvPr>
-        </p:nvSpPr>
-        <p:spPr>
-          <a:ln/>
-        </p:spPr>
-        <p:txBody>
-          <a:bodyPr/>
-          <a:lstStyle>
-            <a:lvl1pPr>
-              <a:defRPr/>
-            </a:lvl1pPr>
-          </a:lstStyle>
-          <a:p>
-            <a:pPr>
-              <a:defRPr/>
-            </a:pPr>
-            <a:r>
-              <a:rPr lang="en-US" dirty="0" smtClean="0"/>
-              <a:t>truth-tables.</a:t>
-            </a:r>
-            <a:fld id="{075B8CF0-67CE-46DB-AD5A-266E8FD0124B}" type="slidenum">
-              <a:rPr lang="en-US" smtClean="0"/>
-              <a:pPr>
-                <a:defRPr/>
-              </a:pPr>
-              <a:t>‹#›</a:t>
-            </a:fld>
-            <a:endParaRPr lang="en-US" dirty="0"/>
-          </a:p>
-        </p:txBody>
-      </p:sp>
-    </p:spTree>
-  </p:cSld>
-  <p:clrMapOvr>
-    <a:masterClrMapping/>
-  </p:clrMapOvr>
-  <p:transition xmlns:p14="http://schemas.microsoft.com/office/powerpoint/2010/main">
-    <p:fade/>
-  </p:transition>
-</p:sldLayout>
-</file>
-
-<file path=ppt/slideLayouts/slideLayout15.xml><?xml version="1.0" encoding="utf-8"?>
-<p:sldLayout xmlns:a="http://schemas.openxmlformats.org/drawingml/2006/main" xmlns:r="http://schemas.openxmlformats.org/officeDocument/2006/relationships" xmlns:p="http://schemas.openxmlformats.org/presentationml/2006/main" type="picTx" preserve="1">
-  <p:cSld name="Picture with Caption">
-    <p:spTree>
-      <p:nvGrpSpPr>
-        <p:cNvPr id="1" name=""/>
-        <p:cNvGrpSpPr/>
-        <p:nvPr/>
-      </p:nvGrpSpPr>
-      <p:grpSpPr>
-        <a:xfrm>
-          <a:off x="0" y="0"/>
-          <a:ext cx="0" cy="0"/>
-          <a:chOff x="0" y="0"/>
-          <a:chExt cx="0" cy="0"/>
-        </a:xfrm>
-      </p:grpSpPr>
-      <p:sp>
-        <p:nvSpPr>
-          <p:cNvPr id="2" name="Title 1"/>
-          <p:cNvSpPr>
-            <a:spLocks noGrp="1"/>
-          </p:cNvSpPr>
-          <p:nvPr>
-            <p:ph type="title"/>
-          </p:nvPr>
-        </p:nvSpPr>
-        <p:spPr>
-          <a:xfrm>
-            <a:off x="1792288" y="4800600"/>
-            <a:ext cx="5486400" cy="566738"/>
-          </a:xfrm>
-        </p:spPr>
-        <p:txBody>
-          <a:bodyPr anchor="b"/>
-          <a:lstStyle>
-            <a:lvl1pPr algn="l">
-              <a:defRPr sz="2000" b="1"/>
-            </a:lvl1pPr>
-          </a:lstStyle>
-          <a:p>
-            <a:r>
-              <a:rPr lang="en-US" smtClean="0"/>
-              <a:t>Click to edit Master title style</a:t>
-            </a:r>
-            <a:endParaRPr lang="en-US"/>
-          </a:p>
-        </p:txBody>
-      </p:sp>
-      <p:sp>
-        <p:nvSpPr>
-          <p:cNvPr id="3" name="Picture Placeholder 2"/>
-          <p:cNvSpPr>
-            <a:spLocks noGrp="1"/>
-          </p:cNvSpPr>
-          <p:nvPr>
-            <p:ph type="pic" idx="1"/>
-          </p:nvPr>
-        </p:nvSpPr>
-        <p:spPr>
-          <a:xfrm>
-            <a:off x="1792288" y="612775"/>
-            <a:ext cx="5486400" cy="4114800"/>
-          </a:xfrm>
-        </p:spPr>
-        <p:txBody>
-          <a:bodyPr/>
-          <a:lstStyle>
-            <a:lvl1pPr marL="0" indent="0">
-              <a:buNone/>
-              <a:defRPr sz="3200"/>
-            </a:lvl1pPr>
-            <a:lvl2pPr marL="457200" indent="0">
-              <a:buNone/>
-              <a:defRPr sz="2800"/>
-            </a:lvl2pPr>
-            <a:lvl3pPr marL="914400" indent="0">
-              <a:buNone/>
-              <a:defRPr sz="2400"/>
-            </a:lvl3pPr>
-            <a:lvl4pPr marL="1371600" indent="0">
-              <a:buNone/>
-              <a:defRPr sz="2000"/>
-            </a:lvl4pPr>
-            <a:lvl5pPr marL="1828800" indent="0">
-              <a:buNone/>
-              <a:defRPr sz="2000"/>
-            </a:lvl5pPr>
-            <a:lvl6pPr marL="2286000" indent="0">
-              <a:buNone/>
-              <a:defRPr sz="2000"/>
-            </a:lvl6pPr>
-            <a:lvl7pPr marL="2743200" indent="0">
-              <a:buNone/>
-              <a:defRPr sz="2000"/>
-            </a:lvl7pPr>
-            <a:lvl8pPr marL="3200400" indent="0">
-              <a:buNone/>
-              <a:defRPr sz="2000"/>
-            </a:lvl8pPr>
-            <a:lvl9pPr marL="3657600" indent="0">
-              <a:buNone/>
-              <a:defRPr sz="2000"/>
-            </a:lvl9pPr>
-          </a:lstStyle>
-          <a:p>
-            <a:pPr lvl="0"/>
-            <a:endParaRPr lang="en-US" noProof="0" smtClean="0"/>
-          </a:p>
-        </p:txBody>
-      </p:sp>
-      <p:sp>
-        <p:nvSpPr>
-          <p:cNvPr id="4" name="Text Placeholder 3"/>
-          <p:cNvSpPr>
-            <a:spLocks noGrp="1"/>
-          </p:cNvSpPr>
-          <p:nvPr>
-            <p:ph type="body" sz="half" idx="2"/>
-          </p:nvPr>
-        </p:nvSpPr>
-        <p:spPr>
-          <a:xfrm>
-            <a:off x="1792288" y="5367338"/>
-            <a:ext cx="5486400" cy="804862"/>
-          </a:xfrm>
-        </p:spPr>
-        <p:txBody>
-          <a:bodyPr/>
-          <a:lstStyle>
-            <a:lvl1pPr marL="0" indent="0">
-              <a:buNone/>
-              <a:defRPr sz="1400"/>
-            </a:lvl1pPr>
-            <a:lvl2pPr marL="457200" indent="0">
-              <a:buNone/>
-              <a:defRPr sz="1200"/>
-            </a:lvl2pPr>
-            <a:lvl3pPr marL="914400" indent="0">
-              <a:buNone/>
-              <a:defRPr sz="1000"/>
-            </a:lvl3pPr>
-            <a:lvl4pPr marL="1371600" indent="0">
-              <a:buNone/>
-              <a:defRPr sz="900"/>
-            </a:lvl4pPr>
-            <a:lvl5pPr marL="1828800" indent="0">
-              <a:buNone/>
-              <a:defRPr sz="900"/>
-            </a:lvl5pPr>
-            <a:lvl6pPr marL="2286000" indent="0">
-              <a:buNone/>
-              <a:defRPr sz="900"/>
-            </a:lvl6pPr>
-            <a:lvl7pPr marL="2743200" indent="0">
-              <a:buNone/>
-              <a:defRPr sz="900"/>
-            </a:lvl7pPr>
-            <a:lvl8pPr marL="3200400" indent="0">
-              <a:buNone/>
-              <a:defRPr sz="900"/>
-            </a:lvl8pPr>
-            <a:lvl9pPr marL="3657600" indent="0">
-              <a:buNone/>
-              <a:defRPr sz="900"/>
-            </a:lvl9pPr>
-          </a:lstStyle>
-          <a:p>
-            <a:pPr lvl="0"/>
-            <a:r>
-              <a:rPr lang="en-US" smtClean="0"/>
-              <a:t>Click to edit Master text styles</a:t>
-            </a:r>
-          </a:p>
-        </p:txBody>
-      </p:sp>
-      <p:sp>
-        <p:nvSpPr>
-          <p:cNvPr id="5" name="Rectangle 4"/>
-          <p:cNvSpPr>
-            <a:spLocks noGrp="1" noChangeArrowheads="1"/>
-          </p:cNvSpPr>
-          <p:nvPr>
-            <p:ph type="sldNum" sz="quarter" idx="10"/>
-          </p:nvPr>
-        </p:nvSpPr>
-        <p:spPr>
-          <a:ln/>
-        </p:spPr>
-        <p:txBody>
-          <a:bodyPr/>
-          <a:lstStyle>
-            <a:lvl1pPr>
-              <a:defRPr/>
-            </a:lvl1pPr>
-          </a:lstStyle>
-          <a:p>
-            <a:pPr>
-              <a:defRPr/>
-            </a:pPr>
-            <a:r>
-              <a:rPr lang="en-US" dirty="0" smtClean="0"/>
-              <a:t>truth-tables.</a:t>
-            </a:r>
-            <a:fld id="{26BBB068-6957-4CCF-BE52-E72E2DD2B17D}" type="slidenum">
-              <a:rPr lang="en-US" smtClean="0"/>
-              <a:pPr>
-                <a:defRPr/>
-              </a:pPr>
-              <a:t>‹#›</a:t>
-            </a:fld>
-            <a:endParaRPr lang="en-US" dirty="0"/>
-          </a:p>
-        </p:txBody>
-      </p:sp>
-    </p:spTree>
-  </p:cSld>
-  <p:clrMapOvr>
-    <a:masterClrMapping/>
-  </p:clrMapOvr>
-  <p:transition xmlns:p14="http://schemas.microsoft.com/office/powerpoint/2010/main">
-    <p:fade/>
-  </p:transition>
-</p:sldLayout>
-</file>
-
-<file path=ppt/slideLayouts/slideLayout16.xml><?xml version="1.0" encoding="utf-8"?>
-<p:sldLayout xmlns:a="http://schemas.openxmlformats.org/drawingml/2006/main" xmlns:r="http://schemas.openxmlformats.org/officeDocument/2006/relationships" xmlns:p="http://schemas.openxmlformats.org/presentationml/2006/main" type="vertTitleAndTx" preserve="1">
-  <p:cSld name="Vertical Title and Text">
-    <p:spTree>
-      <p:nvGrpSpPr>
-        <p:cNvPr id="1" name=""/>
-        <p:cNvGrpSpPr/>
-        <p:nvPr/>
-      </p:nvGrpSpPr>
-      <p:grpSpPr>
-        <a:xfrm>
-          <a:off x="0" y="0"/>
-          <a:ext cx="0" cy="0"/>
-          <a:chOff x="0" y="0"/>
-          <a:chExt cx="0" cy="0"/>
-        </a:xfrm>
-      </p:grpSpPr>
-      <p:sp>
-        <p:nvSpPr>
-          <p:cNvPr id="2" name="Vertical Title 1"/>
-          <p:cNvSpPr>
-            <a:spLocks noGrp="1"/>
-          </p:cNvSpPr>
-          <p:nvPr>
-            <p:ph type="title" orient="vert"/>
-          </p:nvPr>
-        </p:nvSpPr>
-        <p:spPr>
-          <a:xfrm>
-            <a:off x="6915150" y="304800"/>
-            <a:ext cx="2076450" cy="5867400"/>
-          </a:xfrm>
-        </p:spPr>
-        <p:txBody>
-          <a:bodyPr vert="eaVert"/>
-          <a:lstStyle/>
-          <a:p>
-            <a:r>
-              <a:rPr lang="en-US" smtClean="0"/>
-              <a:t>Click to edit Master title style</a:t>
-            </a:r>
-            <a:endParaRPr lang="en-US"/>
-          </a:p>
-        </p:txBody>
-      </p:sp>
-      <p:sp>
-        <p:nvSpPr>
-          <p:cNvPr id="3" name="Vertical Text Placeholder 2"/>
-          <p:cNvSpPr>
-            <a:spLocks noGrp="1"/>
-          </p:cNvSpPr>
-          <p:nvPr>
-            <p:ph type="body" orient="vert" idx="1"/>
-          </p:nvPr>
-        </p:nvSpPr>
-        <p:spPr>
-          <a:xfrm>
-            <a:off x="685800" y="304800"/>
-            <a:ext cx="6076950" cy="5867400"/>
-          </a:xfrm>
-        </p:spPr>
-        <p:txBody>
-          <a:bodyPr vert="eaVert"/>
-          <a:lstStyle/>
-          <a:p>
-            <a:pPr lvl="0"/>
-            <a:r>
-              <a:rPr lang="en-US" dirty="0" smtClean="0"/>
-              <a:t>Click to edit Master text styles</a:t>
-            </a:r>
-          </a:p>
-          <a:p>
-            <a:pPr lvl="1"/>
-            <a:r>
-              <a:rPr lang="en-US" dirty="0" smtClean="0"/>
-              <a:t>Second level</a:t>
-            </a:r>
-          </a:p>
-          <a:p>
-            <a:pPr lvl="2"/>
-            <a:r>
-              <a:rPr lang="en-US" dirty="0" smtClean="0"/>
-              <a:t>Third level</a:t>
-            </a:r>
-          </a:p>
-          <a:p>
-            <a:pPr lvl="3"/>
-            <a:r>
-              <a:rPr lang="en-US" dirty="0" smtClean="0"/>
-              <a:t>Fourth level</a:t>
-            </a:r>
-          </a:p>
-          <a:p>
-            <a:pPr lvl="4"/>
-            <a:r>
-              <a:rPr lang="en-US" dirty="0" smtClean="0"/>
-              <a:t>Fifth level</a:t>
-            </a:r>
-            <a:endParaRPr lang="en-US" dirty="0"/>
-          </a:p>
-        </p:txBody>
-      </p:sp>
-      <p:sp>
-        <p:nvSpPr>
-          <p:cNvPr id="4" name="Rectangle 4"/>
-          <p:cNvSpPr>
-            <a:spLocks noGrp="1" noChangeArrowheads="1"/>
-          </p:cNvSpPr>
-          <p:nvPr>
-            <p:ph type="sldNum" sz="quarter" idx="10"/>
-          </p:nvPr>
-        </p:nvSpPr>
-        <p:spPr>
-          <a:ln/>
-        </p:spPr>
-        <p:txBody>
-          <a:bodyPr/>
-          <a:lstStyle>
-            <a:lvl1pPr>
-              <a:defRPr/>
-            </a:lvl1pPr>
-          </a:lstStyle>
-          <a:p>
-            <a:pPr>
-              <a:defRPr/>
-            </a:pPr>
-            <a:r>
-              <a:rPr lang="en-US" dirty="0" smtClean="0"/>
-              <a:t>truth-tables.</a:t>
-            </a:r>
-            <a:fld id="{918B944E-E05E-401F-B34C-339DD98DC38E}" type="slidenum">
-              <a:rPr lang="en-US" smtClean="0"/>
-              <a:pPr>
-                <a:defRPr/>
-              </a:pPr>
-              <a:t>‹#›</a:t>
-            </a:fld>
-            <a:endParaRPr lang="en-US" dirty="0"/>
-          </a:p>
-        </p:txBody>
-      </p:sp>
-    </p:spTree>
-  </p:cSld>
-  <p:clrMapOvr>
-    <a:masterClrMapping/>
-  </p:clrMapOvr>
-  <p:transition xmlns:p14="http://schemas.microsoft.com/office/powerpoint/2010/main">
-    <p:fade/>
-  </p:transition>
-</p:sldLayout>
-</file>
-
 <file path=ppt/slideLayouts/slideLayout2.xml><?xml version="1.0" encoding="utf-8"?>
 <p:sldLayout xmlns:a="http://schemas.openxmlformats.org/drawingml/2006/main" xmlns:r="http://schemas.openxmlformats.org/officeDocument/2006/relationships" xmlns:p="http://schemas.openxmlformats.org/presentationml/2006/main" type="obj" preserve="1">
   <p:cSld name="Title and Content">
@@ -5002,13 +4014,19 @@
               <a:rPr lang="en-US" sz="1100" baseline="0" dirty="0" smtClean="0">
                 <a:latin typeface="Comic Sans MS" pitchFamily="66" charset="0"/>
               </a:rPr>
-              <a:t>February 14</a:t>
+              <a:t>February </a:t>
+            </a:r>
+            <a:r>
+              <a:rPr lang="en-US" sz="1100" baseline="0" dirty="0" smtClean="0">
+                <a:latin typeface="Comic Sans MS" pitchFamily="66" charset="0"/>
+              </a:rPr>
+              <a:t>13</a:t>
             </a:r>
             <a:r>
               <a:rPr lang="en-US" sz="1100" dirty="0" smtClean="0">
                 <a:latin typeface="Comic Sans MS" pitchFamily="66" charset="0"/>
               </a:rPr>
-              <a:t>, 2014</a:t>
+              <a:t>, 2015</a:t>
             </a:r>
             <a:endParaRPr lang="en-US" sz="1100" dirty="0">
               <a:latin typeface="Comic Sans MS" pitchFamily="66" charset="0"/>
@@ -5363,703 +4381,6 @@
             <a:schemeClr val="tx1"/>
           </a:solidFill>
           <a:latin typeface="+mn-lt"/>
-        </a:defRPr>
-      </a:lvl9pPr>
-    </p:bodyStyle>
-    <p:otherStyle>
-      <a:defPPr>
-        <a:defRPr lang="en-US"/>
-      </a:defPPr>
-      <a:lvl1pPr marL="0" algn="l" defTabSz="914400" rtl="0" eaLnBrk="1" latinLnBrk="0" hangingPunct="1">
-        <a:defRPr sz="1800" kern="1200">
-          <a:solidFill>
-            <a:schemeClr val="tx1"/>
-          </a:solidFill>
-          <a:latin typeface="+mn-lt"/>
-          <a:ea typeface="+mn-ea"/>
-          <a:cs typeface="+mn-cs"/>
-        </a:defRPr>
-      </a:lvl1pPr>
-      <a:lvl2pPr marL="457200" algn="l" defTabSz="914400" rtl="0" eaLnBrk="1" latinLnBrk="0" hangingPunct="1">
-        <a:defRPr sz="1800" kern="1200">
-          <a:solidFill>
-            <a:schemeClr val="tx1"/>
-          </a:solidFill>
-          <a:latin typeface="+mn-lt"/>
-          <a:ea typeface="+mn-ea"/>
-          <a:cs typeface="+mn-cs"/>
-        </a:defRPr>
-      </a:lvl2pPr>
-      <a:lvl3pPr marL="914400" algn="l" defTabSz="914400" rtl="0" eaLnBrk="1" latinLnBrk="0" hangingPunct="1">
-        <a:defRPr sz="1800" kern="1200">
-          <a:solidFill>
-            <a:schemeClr val="tx1"/>
-          </a:solidFill>
-          <a:latin typeface="+mn-lt"/>
-          <a:ea typeface="+mn-ea"/>
-          <a:cs typeface="+mn-cs"/>
-        </a:defRPr>
-      </a:lvl3pPr>
-      <a:lvl4pPr marL="1371600" algn="l" defTabSz="914400" rtl="0" eaLnBrk="1" latinLnBrk="0" hangingPunct="1">
-        <a:defRPr sz="1800" kern="1200">
-          <a:solidFill>
-            <a:schemeClr val="tx1"/>
-          </a:solidFill>
-          <a:latin typeface="+mn-lt"/>
-          <a:ea typeface="+mn-ea"/>
-          <a:cs typeface="+mn-cs"/>
-        </a:defRPr>
-      </a:lvl4pPr>
-      <a:lvl5pPr marL="1828800" algn="l" defTabSz="914400" rtl="0" eaLnBrk="1" latinLnBrk="0" hangingPunct="1">
-        <a:defRPr sz="1800" kern="1200">
-          <a:solidFill>
-            <a:schemeClr val="tx1"/>
-          </a:solidFill>
-          <a:latin typeface="+mn-lt"/>
-          <a:ea typeface="+mn-ea"/>
-          <a:cs typeface="+mn-cs"/>
-        </a:defRPr>
-      </a:lvl5pPr>
-      <a:lvl6pPr marL="2286000" algn="l" defTabSz="914400" rtl="0" eaLnBrk="1" latinLnBrk="0" hangingPunct="1">
-        <a:defRPr sz="1800" kern="1200">
-          <a:solidFill>
-            <a:schemeClr val="tx1"/>
-          </a:solidFill>
-          <a:latin typeface="+mn-lt"/>
-          <a:ea typeface="+mn-ea"/>
-          <a:cs typeface="+mn-cs"/>
-        </a:defRPr>
-      </a:lvl6pPr>
-      <a:lvl7pPr marL="2743200" algn="l" defTabSz="914400" rtl="0" eaLnBrk="1" latinLnBrk="0" hangingPunct="1">
-        <a:defRPr sz="1800" kern="1200">
-          <a:solidFill>
-            <a:schemeClr val="tx1"/>
-          </a:solidFill>
-          <a:latin typeface="+mn-lt"/>
-          <a:ea typeface="+mn-ea"/>
-          <a:cs typeface="+mn-cs"/>
-        </a:defRPr>
-      </a:lvl7pPr>
-      <a:lvl8pPr marL="3200400" algn="l" defTabSz="914400" rtl="0" eaLnBrk="1" latinLnBrk="0" hangingPunct="1">
-        <a:defRPr sz="1800" kern="1200">
-          <a:solidFill>
-            <a:schemeClr val="tx1"/>
-          </a:solidFill>
-          <a:latin typeface="+mn-lt"/>
-          <a:ea typeface="+mn-ea"/>
-          <a:cs typeface="+mn-cs"/>
-        </a:defRPr>
-      </a:lvl8pPr>
-      <a:lvl9pPr marL="3657600" algn="l" defTabSz="914400" rtl="0" eaLnBrk="1" latinLnBrk="0" hangingPunct="1">
-        <a:defRPr sz="1800" kern="1200">
-          <a:solidFill>
-            <a:schemeClr val="tx1"/>
-          </a:solidFill>
-          <a:latin typeface="+mn-lt"/>
-          <a:ea typeface="+mn-ea"/>
-          <a:cs typeface="+mn-cs"/>
-        </a:defRPr>
-      </a:lvl9pPr>
-    </p:otherStyle>
-  </p:txStyles>
-</p:sldMaster>
-</file>
-
-<file path=ppt/slideMasters/slideMaster2.xml><?xml version="1.0" encoding="utf-8"?>
-<p:sldMaster xmlns:a="http://schemas.openxmlformats.org/drawingml/2006/main" xmlns:r="http://schemas.openxmlformats.org/officeDocument/2006/relationships" xmlns:p="http://schemas.openxmlformats.org/presentationml/2006/main" preserve="1">
-  <p:cSld>
-    <p:bg>
-      <p:bgPr>
-        <a:solidFill>
-          <a:schemeClr val="accent1"/>
-        </a:solidFill>
-        <a:effectLst/>
-      </p:bgPr>
-    </p:bg>
-    <p:spTree>
-      <p:nvGrpSpPr>
-        <p:cNvPr id="1" name=""/>
-        <p:cNvGrpSpPr/>
-        <p:nvPr/>
-      </p:nvGrpSpPr>
-      <p:grpSpPr>
-        <a:xfrm>
-          <a:off x="0" y="0"/>
-          <a:ext cx="0" cy="0"/>
-          <a:chOff x="0" y="0"/>
-          <a:chExt cx="0" cy="0"/>
-        </a:xfrm>
-      </p:grpSpPr>
-      <p:sp>
-        <p:nvSpPr>
-          <p:cNvPr id="11266" name="Rectangle 2"/>
-          <p:cNvSpPr>
-            <a:spLocks noGrp="1" noChangeArrowheads="1"/>
-          </p:cNvSpPr>
-          <p:nvPr>
-            <p:ph type="title"/>
-          </p:nvPr>
-        </p:nvSpPr>
-        <p:spPr bwMode="auto">
-          <a:xfrm>
-            <a:off x="1447800" y="304800"/>
-            <a:ext cx="7543800" cy="1143000"/>
-          </a:xfrm>
-          <a:prstGeom prst="rect">
-            <a:avLst/>
-          </a:prstGeom>
-          <a:noFill/>
-          <a:ln w="9525">
-            <a:noFill/>
-            <a:miter lim="800000"/>
-            <a:headEnd/>
-            <a:tailEnd/>
-          </a:ln>
-        </p:spPr>
-        <p:txBody>
-          <a:bodyPr vert="horz" wrap="square" lIns="91440" tIns="45720" rIns="91440" bIns="45720" numCol="1" anchor="ctr" anchorCtr="0" compatLnSpc="1">
-            <a:prstTxWarp prst="textNoShape">
-              <a:avLst/>
-            </a:prstTxWarp>
-          </a:bodyPr>
-          <a:lstStyle/>
-          <a:p>
-            <a:pPr lvl="0"/>
-            <a:endParaRPr lang="en-US" smtClean="0"/>
-          </a:p>
-        </p:txBody>
-      </p:sp>
-      <p:sp>
-        <p:nvSpPr>
-          <p:cNvPr id="11267" name="Rectangle 3"/>
-          <p:cNvSpPr>
-            <a:spLocks noGrp="1" noChangeArrowheads="1"/>
-          </p:cNvSpPr>
-          <p:nvPr>
-            <p:ph type="body" idx="1"/>
-          </p:nvPr>
-        </p:nvSpPr>
-        <p:spPr bwMode="auto">
-          <a:xfrm>
-            <a:off x="685800" y="2057400"/>
-            <a:ext cx="7772400" cy="4114800"/>
-          </a:xfrm>
-          <a:prstGeom prst="rect">
-            <a:avLst/>
-          </a:prstGeom>
-          <a:noFill/>
-          <a:ln w="9525">
-            <a:noFill/>
-            <a:miter lim="800000"/>
-            <a:headEnd/>
-            <a:tailEnd/>
-          </a:ln>
-        </p:spPr>
-        <p:txBody>
-          <a:bodyPr vert="horz" wrap="square" lIns="91440" tIns="45720" rIns="91440" bIns="45720" numCol="1" anchor="t" anchorCtr="0" compatLnSpc="1">
-            <a:prstTxWarp prst="textNoShape">
-              <a:avLst/>
-            </a:prstTxWarp>
-          </a:bodyPr>
-          <a:lstStyle/>
-          <a:p>
-            <a:pPr lvl="0"/>
-            <a:endParaRPr lang="en-US" smtClean="0"/>
-          </a:p>
-        </p:txBody>
-      </p:sp>
-      <p:sp>
-        <p:nvSpPr>
-          <p:cNvPr id="232452" name="Rectangle 4"/>
-          <p:cNvSpPr>
-            <a:spLocks noGrp="1" noChangeArrowheads="1"/>
-          </p:cNvSpPr>
-          <p:nvPr>
-            <p:ph type="sldNum" sz="quarter" idx="4"/>
-          </p:nvPr>
-        </p:nvSpPr>
-        <p:spPr bwMode="auto">
-          <a:xfrm>
-            <a:off x="8040588" y="6553200"/>
-            <a:ext cx="1103412" cy="276999"/>
-          </a:xfrm>
-          <a:prstGeom prst="rect">
-            <a:avLst/>
-          </a:prstGeom>
-          <a:noFill/>
-          <a:ln w="9525">
-            <a:noFill/>
-            <a:miter lim="800000"/>
-            <a:headEnd/>
-            <a:tailEnd/>
-          </a:ln>
-          <a:effectLst/>
-        </p:spPr>
-        <p:txBody>
-          <a:bodyPr vert="horz" wrap="none" lIns="91440" tIns="45720" rIns="91440" bIns="45720" numCol="1" anchor="t" anchorCtr="0" compatLnSpc="1">
-            <a:prstTxWarp prst="textNoShape">
-              <a:avLst/>
-            </a:prstTxWarp>
-            <a:spAutoFit/>
-          </a:bodyPr>
-          <a:lstStyle>
-            <a:lvl1pPr algn="r">
-              <a:defRPr sz="1200"/>
-            </a:lvl1pPr>
-          </a:lstStyle>
-          <a:p>
-            <a:pPr>
-              <a:defRPr/>
-            </a:pPr>
-            <a:r>
-              <a:rPr lang="en-US" dirty="0" smtClean="0"/>
-              <a:t>truth-tables.</a:t>
-            </a:r>
-            <a:fld id="{2CE11749-3435-4A3E-A162-33970963D098}" type="slidenum">
-              <a:rPr lang="en-US" smtClean="0"/>
-              <a:pPr>
-                <a:defRPr/>
-              </a:pPr>
-              <a:t>‹#›</a:t>
-            </a:fld>
-            <a:endParaRPr lang="en-US" dirty="0"/>
-          </a:p>
-        </p:txBody>
-      </p:sp>
-      <p:pic>
-        <p:nvPicPr>
-          <p:cNvPr id="11269" name="Picture 5" descr="board"/>
-          <p:cNvPicPr>
-            <a:picLocks noChangeAspect="1" noChangeArrowheads="1"/>
-          </p:cNvPicPr>
-          <p:nvPr userDrawn="1"/>
-        </p:nvPicPr>
-        <p:blipFill>
-          <a:blip r:embed="rId9"/>
-          <a:srcRect/>
-          <a:stretch>
-            <a:fillRect/>
-          </a:stretch>
-        </p:blipFill>
-        <p:spPr bwMode="auto">
-          <a:xfrm>
-            <a:off x="152400" y="304800"/>
-            <a:ext cx="1143000" cy="1135063"/>
-          </a:xfrm>
-          <a:prstGeom prst="rect">
-            <a:avLst/>
-          </a:prstGeom>
-          <a:noFill/>
-          <a:ln w="9525">
-            <a:noFill/>
-            <a:miter lim="800000"/>
-            <a:headEnd/>
-            <a:tailEnd/>
-          </a:ln>
-        </p:spPr>
-      </p:pic>
-      <p:sp>
-        <p:nvSpPr>
-          <p:cNvPr id="232454" name="Rectangle 6"/>
-          <p:cNvSpPr>
-            <a:spLocks noChangeArrowheads="1"/>
-          </p:cNvSpPr>
-          <p:nvPr userDrawn="1"/>
-        </p:nvSpPr>
-        <p:spPr bwMode="auto">
-          <a:xfrm>
-            <a:off x="4141788" y="6611938"/>
-            <a:ext cx="860425" cy="246062"/>
-          </a:xfrm>
-          <a:prstGeom prst="rect">
-            <a:avLst/>
-          </a:prstGeom>
-          <a:noFill/>
-          <a:ln w="9525">
-            <a:noFill/>
-            <a:miter lim="800000"/>
-            <a:headEnd/>
-            <a:tailEnd type="none" w="lg" len="lg"/>
-          </a:ln>
-          <a:effectLst/>
-        </p:spPr>
-        <p:txBody>
-          <a:bodyPr wrap="none">
-            <a:spAutoFit/>
-          </a:bodyPr>
-          <a:lstStyle/>
-          <a:p>
-            <a:pPr algn="l">
-              <a:defRPr/>
-            </a:pPr>
-            <a:r>
-              <a:rPr lang="en-US" sz="1000" dirty="0"/>
-              <a:t>Sept. 7, 2007</a:t>
-            </a:r>
-          </a:p>
-        </p:txBody>
-      </p:sp>
-      <p:sp>
-        <p:nvSpPr>
-          <p:cNvPr id="9" name="TextBox 8"/>
-          <p:cNvSpPr txBox="1"/>
-          <p:nvPr userDrawn="1"/>
-        </p:nvSpPr>
-        <p:spPr>
-          <a:xfrm>
-            <a:off x="987900" y="6611779"/>
-            <a:ext cx="1122423" cy="246221"/>
-          </a:xfrm>
-          <a:prstGeom prst="rect">
-            <a:avLst/>
-          </a:prstGeom>
-          <a:noFill/>
-        </p:spPr>
-        <p:txBody>
-          <a:bodyPr wrap="none" rtlCol="0">
-            <a:spAutoFit/>
-          </a:bodyPr>
-          <a:lstStyle/>
-          <a:p>
-            <a:r>
-              <a:rPr lang="en-US" sz="1000" dirty="0" smtClean="0">
-                <a:latin typeface="Comic Sans MS" pitchFamily="66" charset="0"/>
-              </a:rPr>
-              <a:t>Albert R Meyer</a:t>
-            </a:r>
-          </a:p>
-        </p:txBody>
-      </p:sp>
-      <p:pic>
-        <p:nvPicPr>
-          <p:cNvPr id="10" name="Picture 9"/>
-          <p:cNvPicPr>
-            <a:picLocks noChangeAspect="1"/>
-          </p:cNvPicPr>
-          <p:nvPr userDrawn="1"/>
-        </p:nvPicPr>
-        <p:blipFill>
-          <a:blip r:embed="rId10"/>
-          <a:stretch>
-            <a:fillRect/>
-          </a:stretch>
-        </p:blipFill>
-        <p:spPr>
-          <a:xfrm>
-            <a:off x="0" y="6500090"/>
-            <a:ext cx="1016000" cy="357909"/>
-          </a:xfrm>
-          <a:prstGeom prst="rect">
-            <a:avLst/>
-          </a:prstGeom>
-        </p:spPr>
-      </p:pic>
-    </p:spTree>
-  </p:cSld>
-  <p:clrMap bg1="lt1" tx1="dk1" bg2="lt2" tx2="dk2" accent1="accent1" accent2="accent2" accent3="accent3" accent4="accent4" accent5="accent5" accent6="accent6" hlink="hlink" folHlink="folHlink"/>
-  <p:sldLayoutIdLst>
-    <p:sldLayoutId id="2147483666" r:id="rId1"/>
-    <p:sldLayoutId id="2147483667" r:id="rId2"/>
-    <p:sldLayoutId id="2147483668" r:id="rId3"/>
-    <p:sldLayoutId id="2147483671" r:id="rId4"/>
-    <p:sldLayoutId id="2147483672" r:id="rId5"/>
-    <p:sldLayoutId id="2147483674" r:id="rId6"/>
-    <p:sldLayoutId id="2147483676" r:id="rId7"/>
-  </p:sldLayoutIdLst>
-  <p:transition xmlns:p14="http://schemas.microsoft.com/office/powerpoint/2010/main">
-    <p:fade/>
-  </p:transition>
-  <p:timing>
-    <p:tnLst>
-      <p:par>
-        <p:cTn xmlns:p14="http://schemas.microsoft.com/office/powerpoint/2010/main" id="1" dur="indefinite" restart="never" nodeType="tmRoot"/>
-      </p:par>
-    </p:tnLst>
-  </p:timing>
-  <p:hf hdr="0" ftr="0" dt="0"/>
-  <p:txStyles>
-    <p:titleStyle>
-      <a:lvl1pPr algn="l" rtl="0" eaLnBrk="0" fontAlgn="base" hangingPunct="0">
-        <a:spcBef>
-          <a:spcPct val="0"/>
-        </a:spcBef>
-        <a:spcAft>
-          <a:spcPct val="0"/>
-        </a:spcAft>
-        <a:defRPr sz="4400" b="1">
-          <a:solidFill>
-            <a:schemeClr val="tx2"/>
-          </a:solidFill>
-          <a:latin typeface="Comic Sans MS" pitchFamily="66" charset="0"/>
-          <a:ea typeface="+mj-ea"/>
-          <a:cs typeface="+mj-cs"/>
-        </a:defRPr>
-      </a:lvl1pPr>
-      <a:lvl2pPr algn="l" rtl="0" eaLnBrk="0" fontAlgn="base" hangingPunct="0">
-        <a:spcBef>
-          <a:spcPct val="0"/>
-        </a:spcBef>
-        <a:spcAft>
-          <a:spcPct val="0"/>
-        </a:spcAft>
-        <a:defRPr sz="4400" b="1">
-          <a:solidFill>
-            <a:schemeClr val="tx2"/>
-          </a:solidFill>
-          <a:latin typeface="Comic Sans MS" pitchFamily="66" charset="0"/>
-          <a:cs typeface="Arial" pitchFamily="34" charset="0"/>
-        </a:defRPr>
-      </a:lvl2pPr>
-      <a:lvl3pPr algn="l" rtl="0" eaLnBrk="0" fontAlgn="base" hangingPunct="0">
-        <a:spcBef>
-          <a:spcPct val="0"/>
-        </a:spcBef>
-        <a:spcAft>
-          <a:spcPct val="0"/>
-        </a:spcAft>
-        <a:defRPr sz="4400" b="1">
-          <a:solidFill>
-            <a:schemeClr val="tx2"/>
-          </a:solidFill>
-          <a:latin typeface="Comic Sans MS" pitchFamily="66" charset="0"/>
-          <a:cs typeface="Arial" pitchFamily="34" charset="0"/>
-        </a:defRPr>
-      </a:lvl3pPr>
-      <a:lvl4pPr algn="l" rtl="0" eaLnBrk="0" fontAlgn="base" hangingPunct="0">
-        <a:spcBef>
-          <a:spcPct val="0"/>
-        </a:spcBef>
-        <a:spcAft>
-          <a:spcPct val="0"/>
-        </a:spcAft>
-        <a:defRPr sz="4400" b="1">
-          <a:solidFill>
-            <a:schemeClr val="tx2"/>
-          </a:solidFill>
-          <a:latin typeface="Comic Sans MS" pitchFamily="66" charset="0"/>
-          <a:cs typeface="Arial" pitchFamily="34" charset="0"/>
-        </a:defRPr>
-      </a:lvl4pPr>
-      <a:lvl5pPr algn="l" rtl="0" eaLnBrk="0" fontAlgn="base" hangingPunct="0">
-        <a:spcBef>
-          <a:spcPct val="0"/>
-        </a:spcBef>
-        <a:spcAft>
-          <a:spcPct val="0"/>
-        </a:spcAft>
-        <a:defRPr sz="4400" b="1">
-          <a:solidFill>
-            <a:schemeClr val="tx2"/>
-          </a:solidFill>
-          <a:latin typeface="Comic Sans MS" pitchFamily="66" charset="0"/>
-          <a:cs typeface="Arial" pitchFamily="34" charset="0"/>
-        </a:defRPr>
-      </a:lvl5pPr>
-      <a:lvl6pPr marL="457200" algn="l" rtl="0" fontAlgn="base">
-        <a:spcBef>
-          <a:spcPct val="0"/>
-        </a:spcBef>
-        <a:spcAft>
-          <a:spcPct val="0"/>
-        </a:spcAft>
-        <a:defRPr sz="4400" b="1">
-          <a:solidFill>
-            <a:schemeClr val="tx2"/>
-          </a:solidFill>
-          <a:latin typeface="Times New Roman" pitchFamily="18" charset="0"/>
-          <a:cs typeface="Arial" pitchFamily="34" charset="0"/>
-        </a:defRPr>
-      </a:lvl6pPr>
-      <a:lvl7pPr marL="914400" algn="l" rtl="0" fontAlgn="base">
-        <a:spcBef>
-          <a:spcPct val="0"/>
-        </a:spcBef>
-        <a:spcAft>
-          <a:spcPct val="0"/>
-        </a:spcAft>
-        <a:defRPr sz="4400" b="1">
-          <a:solidFill>
-            <a:schemeClr val="tx2"/>
-          </a:solidFill>
-          <a:latin typeface="Times New Roman" pitchFamily="18" charset="0"/>
-          <a:cs typeface="Arial" pitchFamily="34" charset="0"/>
-        </a:defRPr>
-      </a:lvl7pPr>
-      <a:lvl8pPr marL="1371600" algn="l" rtl="0" fontAlgn="base">
-        <a:spcBef>
-          <a:spcPct val="0"/>
-        </a:spcBef>
-        <a:spcAft>
-          <a:spcPct val="0"/>
-        </a:spcAft>
-        <a:defRPr sz="4400" b="1">
-          <a:solidFill>
-            <a:schemeClr val="tx2"/>
-          </a:solidFill>
-          <a:latin typeface="Times New Roman" pitchFamily="18" charset="0"/>
-          <a:cs typeface="Arial" pitchFamily="34" charset="0"/>
-        </a:defRPr>
-      </a:lvl8pPr>
-      <a:lvl9pPr marL="1828800" algn="l" rtl="0" fontAlgn="base">
-        <a:spcBef>
-          <a:spcPct val="0"/>
-        </a:spcBef>
-        <a:spcAft>
-          <a:spcPct val="0"/>
-        </a:spcAft>
-        <a:defRPr sz="4400" b="1">
-          <a:solidFill>
-            <a:schemeClr val="tx2"/>
-          </a:solidFill>
-          <a:latin typeface="Times New Roman" pitchFamily="18" charset="0"/>
-          <a:cs typeface="Arial" pitchFamily="34" charset="0"/>
-        </a:defRPr>
-      </a:lvl9pPr>
-    </p:titleStyle>
-    <p:bodyStyle>
-      <a:lvl1pPr marL="342900" indent="-342900" algn="l" rtl="0" eaLnBrk="0" fontAlgn="base" hangingPunct="0">
-        <a:spcBef>
-          <a:spcPct val="20000"/>
-        </a:spcBef>
-        <a:spcAft>
-          <a:spcPct val="0"/>
-        </a:spcAft>
-        <a:buChar char="•"/>
-        <a:defRPr sz="3600">
-          <a:solidFill>
-            <a:schemeClr val="tx1"/>
-          </a:solidFill>
-          <a:latin typeface="Comic Sans MS" pitchFamily="66" charset="0"/>
-          <a:ea typeface="+mn-ea"/>
-          <a:cs typeface="+mn-cs"/>
-        </a:defRPr>
-      </a:lvl1pPr>
-      <a:lvl2pPr marL="742950" indent="-285750" algn="l" rtl="0" eaLnBrk="0" fontAlgn="base" hangingPunct="0">
-        <a:spcBef>
-          <a:spcPct val="20000"/>
-        </a:spcBef>
-        <a:spcAft>
-          <a:spcPct val="0"/>
-        </a:spcAft>
-        <a:buChar char="–"/>
-        <a:defRPr sz="3200">
-          <a:solidFill>
-            <a:schemeClr val="tx1"/>
-          </a:solidFill>
-          <a:latin typeface="Comic Sans MS" pitchFamily="66" charset="0"/>
-          <a:cs typeface="+mn-cs"/>
-        </a:defRPr>
-      </a:lvl2pPr>
-      <a:lvl3pPr marL="1143000" indent="-228600" algn="l" rtl="0" eaLnBrk="0" fontAlgn="base" hangingPunct="0">
-        <a:spcBef>
-          <a:spcPct val="20000"/>
-        </a:spcBef>
-        <a:spcAft>
-          <a:spcPct val="0"/>
-        </a:spcAft>
-        <a:buChar char="•"/>
-        <a:defRPr sz="3200">
-          <a:solidFill>
-            <a:schemeClr val="tx1"/>
-          </a:solidFill>
-          <a:latin typeface="Comic Sans MS" pitchFamily="66" charset="0"/>
-          <a:cs typeface="+mn-cs"/>
-        </a:defRPr>
-      </a:lvl3pPr>
-      <a:lvl4pPr marL="1600200" indent="-228600" algn="l" rtl="0" eaLnBrk="0" fontAlgn="base" hangingPunct="0">
-        <a:spcBef>
-          <a:spcPct val="20000"/>
-        </a:spcBef>
-        <a:spcAft>
-          <a:spcPct val="0"/>
-        </a:spcAft>
-        <a:buChar char="–"/>
-        <a:defRPr sz="2800">
-          <a:solidFill>
-            <a:schemeClr val="tx1"/>
-          </a:solidFill>
-          <a:latin typeface="Comic Sans MS" pitchFamily="66" charset="0"/>
-          <a:cs typeface="+mn-cs"/>
-        </a:defRPr>
-      </a:lvl4pPr>
-      <a:lvl5pPr marL="2057400" indent="-228600" algn="l" rtl="0" eaLnBrk="0" fontAlgn="base" hangingPunct="0">
-        <a:spcBef>
-          <a:spcPct val="20000"/>
-        </a:spcBef>
-        <a:spcAft>
-          <a:spcPct val="0"/>
-        </a:spcAft>
-        <a:buChar char="»"/>
-        <a:defRPr sz="2800">
-          <a:solidFill>
-            <a:schemeClr val="tx1"/>
-          </a:solidFill>
-          <a:latin typeface="Comic Sans MS" pitchFamily="66" charset="0"/>
-          <a:cs typeface="+mn-cs"/>
-        </a:defRPr>
-      </a:lvl5pPr>
-      <a:lvl6pPr marL="2514600" indent="-228600" algn="l" rtl="0" fontAlgn="base">
-        <a:spcBef>
-          <a:spcPct val="20000"/>
-        </a:spcBef>
-        <a:spcAft>
-          <a:spcPct val="0"/>
-        </a:spcAft>
-        <a:buChar char="»"/>
-        <a:defRPr sz="2800">
-          <a:solidFill>
-            <a:schemeClr val="tx1"/>
-          </a:solidFill>
-          <a:latin typeface="+mn-lt"/>
-          <a:cs typeface="+mn-cs"/>
-        </a:defRPr>
-      </a:lvl6pPr>
-      <a:lvl7pPr marL="2971800" indent="-228600" algn="l" rtl="0" fontAlgn="base">
-        <a:spcBef>
-          <a:spcPct val="20000"/>
-        </a:spcBef>
-        <a:spcAft>
-          <a:spcPct val="0"/>
-        </a:spcAft>
-        <a:buChar char="»"/>
-        <a:defRPr sz="2800">
-          <a:solidFill>
-            <a:schemeClr val="tx1"/>
-          </a:solidFill>
-          <a:latin typeface="+mn-lt"/>
-          <a:cs typeface="+mn-cs"/>
-        </a:defRPr>
-      </a:lvl7pPr>
-      <a:lvl8pPr marL="3429000" indent="-228600" algn="l" rtl="0" fontAlgn="base">
-        <a:spcBef>
-          <a:spcPct val="20000"/>
-        </a:spcBef>
-        <a:spcAft>
-          <a:spcPct val="0"/>
-        </a:spcAft>
-        <a:buChar char="»"/>
-        <a:defRPr sz="2800">
-          <a:solidFill>
-            <a:schemeClr val="tx1"/>
-          </a:solidFill>
-          <a:latin typeface="+mn-lt"/>
-          <a:cs typeface="+mn-cs"/>
-        </a:defRPr>
-      </a:lvl8pPr>
-      <a:lvl9pPr marL="3886200" indent="-228600" algn="l" rtl="0" fontAlgn="base">
-        <a:spcBef>
-          <a:spcPct val="20000"/>
-        </a:spcBef>
-        <a:spcAft>
-          <a:spcPct val="0"/>
-        </a:spcAft>
-        <a:buChar char="»"/>
-        <a:defRPr sz="2800">
-          <a:solidFill>
-            <a:schemeClr val="tx1"/>
-          </a:solidFill>
-          <a:latin typeface="+mn-lt"/>
-          <a:cs typeface="+mn-cs"/>
         </a:defRPr>
       </a:lvl9pPr>
     </p:bodyStyle>
@@ -8328,9 +6649,6 @@
               </a:rPr>
               <a:t>).</a:t>
             </a:r>
-            <a:endParaRPr lang="en-US" sz="4000" dirty="0" smtClean="0">
-              <a:latin typeface="Comic Sans MS" pitchFamily="66" charset="0"/>
-            </a:endParaRPr>
           </a:p>
         </p:txBody>
       </p:sp>
@@ -13562,7 +11880,7 @@
           <a:graphicData uri="http://schemas.openxmlformats.org/presentationml/2006/ole">
             <mc:AlternateContent xmlns:mc="http://schemas.openxmlformats.org/markup-compatibility/2006">
               <mc:Choice xmlns:v="urn:schemas-microsoft-com:vml" Requires="v">
-                <p:oleObj spid="_x0000_s402724" name="Equation" r:id="rId4" imgW="800100" imgH="228600" progId="Equation.DSMT4">
+                <p:oleObj spid="_x0000_s402729" name="Equation" r:id="rId4" imgW="800100" imgH="228600" progId="Equation.DSMT4">
                   <p:embed/>
                 </p:oleObj>
               </mc:Choice>
@@ -13624,7 +11942,7 @@
           <a:graphicData uri="http://schemas.openxmlformats.org/presentationml/2006/ole">
             <mc:AlternateContent xmlns:mc="http://schemas.openxmlformats.org/markup-compatibility/2006">
               <mc:Choice xmlns:v="urn:schemas-microsoft-com:vml" Requires="v">
-                <p:oleObj spid="_x0000_s402725" name="Equation" r:id="rId6" imgW="622300" imgH="241300" progId="Equation.DSMT4">
+                <p:oleObj spid="_x0000_s402730" name="Equation" r:id="rId6" imgW="622300" imgH="241300" progId="Equation.DSMT4">
                   <p:embed/>
                 </p:oleObj>
               </mc:Choice>
@@ -13732,7 +12050,7 @@
             <a:graphicData uri="http://schemas.openxmlformats.org/presentationml/2006/ole">
               <mc:AlternateContent xmlns:mc="http://schemas.openxmlformats.org/markup-compatibility/2006">
                 <mc:Choice xmlns:v="urn:schemas-microsoft-com:vml" Requires="v">
-                  <p:oleObj spid="_x0000_s402726" name="Equation" r:id="rId8" imgW="622300" imgH="241300" progId="Equation.DSMT4">
+                  <p:oleObj spid="_x0000_s402731" name="Equation" r:id="rId8" imgW="622300" imgH="241300" progId="Equation.DSMT4">
                     <p:embed/>
                   </p:oleObj>
                 </mc:Choice>
@@ -13789,7 +12107,7 @@
             <a:graphicData uri="http://schemas.openxmlformats.org/presentationml/2006/ole">
               <mc:AlternateContent xmlns:mc="http://schemas.openxmlformats.org/markup-compatibility/2006">
                 <mc:Choice xmlns:v="urn:schemas-microsoft-com:vml" Requires="v">
-                  <p:oleObj spid="_x0000_s402727" name="Equation" r:id="rId9" imgW="609600" imgH="304800" progId="Equation.DSMT4">
+                  <p:oleObj spid="_x0000_s402732" name="Equation" r:id="rId9" imgW="609600" imgH="304800" progId="Equation.DSMT4">
                     <p:embed/>
                   </p:oleObj>
                 </mc:Choice>
@@ -16921,7 +15239,7 @@
           <a:graphicData uri="http://schemas.openxmlformats.org/presentationml/2006/ole">
             <mc:AlternateContent xmlns:mc="http://schemas.openxmlformats.org/markup-compatibility/2006">
               <mc:Choice xmlns:v="urn:schemas-microsoft-com:vml" Requires="v">
-                <p:oleObj spid="_x0000_s414865" name="Equation" r:id="rId4" imgW="800100" imgH="228600" progId="Equation.DSMT4">
+                <p:oleObj spid="_x0000_s414870" name="Equation" r:id="rId4" imgW="800100" imgH="228600" progId="Equation.DSMT4">
                   <p:embed/>
                 </p:oleObj>
               </mc:Choice>
@@ -16983,7 +15301,7 @@
           <a:graphicData uri="http://schemas.openxmlformats.org/presentationml/2006/ole">
             <mc:AlternateContent xmlns:mc="http://schemas.openxmlformats.org/markup-compatibility/2006">
               <mc:Choice xmlns:v="urn:schemas-microsoft-com:vml" Requires="v">
-                <p:oleObj spid="_x0000_s414866" name="Equation" r:id="rId6" imgW="622300" imgH="241300" progId="Equation.DSMT4">
+                <p:oleObj spid="_x0000_s414871" name="Equation" r:id="rId6" imgW="622300" imgH="241300" progId="Equation.DSMT4">
                   <p:embed/>
                 </p:oleObj>
               </mc:Choice>
@@ -17091,7 +15409,7 @@
             <a:graphicData uri="http://schemas.openxmlformats.org/presentationml/2006/ole">
               <mc:AlternateContent xmlns:mc="http://schemas.openxmlformats.org/markup-compatibility/2006">
                 <mc:Choice xmlns:v="urn:schemas-microsoft-com:vml" Requires="v">
-                  <p:oleObj spid="_x0000_s414867" name="Equation" r:id="rId8" imgW="622300" imgH="241300" progId="Equation.DSMT4">
+                  <p:oleObj spid="_x0000_s414872" name="Equation" r:id="rId8" imgW="622300" imgH="241300" progId="Equation.DSMT4">
                     <p:embed/>
                   </p:oleObj>
                 </mc:Choice>
@@ -17148,7 +15466,7 @@
             <a:graphicData uri="http://schemas.openxmlformats.org/presentationml/2006/ole">
               <mc:AlternateContent xmlns:mc="http://schemas.openxmlformats.org/markup-compatibility/2006">
                 <mc:Choice xmlns:v="urn:schemas-microsoft-com:vml" Requires="v">
-                  <p:oleObj spid="_x0000_s414868" name="Equation" r:id="rId9" imgW="609600" imgH="304800" progId="Equation.DSMT4">
+                  <p:oleObj spid="_x0000_s414873" name="Equation" r:id="rId9" imgW="609600" imgH="304800" progId="Equation.DSMT4">
                     <p:embed/>
                   </p:oleObj>
                 </mc:Choice>
@@ -21055,685 +19373,6 @@
 </file>
 
 <file path=ppt/theme/theme2.xml><?xml version="1.0" encoding="utf-8"?>
-<a:theme xmlns:a="http://schemas.openxmlformats.org/drawingml/2006/main" name="1_6.042 Lecture Template">
-  <a:themeElements>
-    <a:clrScheme name="">
-      <a:dk1>
-        <a:srgbClr val="000000"/>
-      </a:dk1>
-      <a:lt1>
-        <a:srgbClr val="FFFFFF"/>
-      </a:lt1>
-      <a:dk2>
-        <a:srgbClr val="000000"/>
-      </a:dk2>
-      <a:lt2>
-        <a:srgbClr val="808080"/>
-      </a:lt2>
-      <a:accent1>
-        <a:srgbClr val="CCCCFF"/>
-      </a:accent1>
-      <a:accent2>
-        <a:srgbClr val="CC0000"/>
-      </a:accent2>
-      <a:accent3>
-        <a:srgbClr val="FFFFFF"/>
-      </a:accent3>
-      <a:accent4>
-        <a:srgbClr val="000000"/>
-      </a:accent4>
-      <a:accent5>
-        <a:srgbClr val="E2E2FF"/>
-      </a:accent5>
-      <a:accent6>
-        <a:srgbClr val="B90000"/>
-      </a:accent6>
-      <a:hlink>
-        <a:srgbClr val="CC0000"/>
-      </a:hlink>
-      <a:folHlink>
-        <a:srgbClr val="009999"/>
-      </a:folHlink>
-    </a:clrScheme>
-    <a:fontScheme name="1_6.042 Lecture Template">
-      <a:majorFont>
-        <a:latin typeface="Times New Roman"/>
-        <a:ea typeface=""/>
-        <a:cs typeface="Arial"/>
-      </a:majorFont>
-      <a:minorFont>
-        <a:latin typeface="Times New Roman"/>
-        <a:ea typeface=""/>
-        <a:cs typeface="Arial"/>
-      </a:minorFont>
-    </a:fontScheme>
-    <a:fmtScheme name="Office">
-      <a:fillStyleLst>
-        <a:solidFill>
-          <a:schemeClr val="phClr"/>
-        </a:solidFill>
-        <a:gradFill rotWithShape="1">
-          <a:gsLst>
-            <a:gs pos="0">
-              <a:schemeClr val="phClr">
-                <a:tint val="50000"/>
-                <a:satMod val="300000"/>
-              </a:schemeClr>
-            </a:gs>
-            <a:gs pos="35000">
-              <a:schemeClr val="phClr">
-                <a:tint val="37000"/>
-                <a:satMod val="300000"/>
-              </a:schemeClr>
-            </a:gs>
-            <a:gs pos="100000">
-              <a:schemeClr val="phClr">
-                <a:tint val="15000"/>
-                <a:satMod val="350000"/>
-              </a:schemeClr>
-            </a:gs>
-          </a:gsLst>
-          <a:lin ang="16200000" scaled="1"/>
-        </a:gradFill>
-        <a:gradFill rotWithShape="1">
-          <a:gsLst>
-            <a:gs pos="0">
-              <a:schemeClr val="phClr">
-                <a:shade val="51000"/>
-                <a:satMod val="130000"/>
-              </a:schemeClr>
-            </a:gs>
-            <a:gs pos="80000">
-              <a:schemeClr val="phClr">
-                <a:shade val="93000"/>
-                <a:satMod val="130000"/>
-              </a:schemeClr>
-            </a:gs>
-            <a:gs pos="100000">
-              <a:schemeClr val="phClr">
-                <a:shade val="94000"/>
-                <a:satMod val="135000"/>
-              </a:schemeClr>
-            </a:gs>
-          </a:gsLst>
-          <a:lin ang="16200000" scaled="0"/>
-        </a:gradFill>
-      </a:fillStyleLst>
-      <a:lnStyleLst>
-        <a:ln w="9525" cap="flat" cmpd="sng" algn="ctr">
-          <a:solidFill>
-            <a:schemeClr val="phClr">
-              <a:shade val="95000"/>
-              <a:satMod val="105000"/>
-            </a:schemeClr>
-          </a:solidFill>
-          <a:prstDash val="solid"/>
-        </a:ln>
-        <a:ln w="25400" cap="flat" cmpd="sng" algn="ctr">
-          <a:solidFill>
-            <a:schemeClr val="phClr"/>
-          </a:solidFill>
-          <a:prstDash val="solid"/>
-        </a:ln>
-        <a:ln w="38100" cap="flat" cmpd="sng" algn="ctr">
-          <a:solidFill>
-            <a:schemeClr val="phClr"/>
-          </a:solidFill>
-          <a:prstDash val="solid"/>
-        </a:ln>
-      </a:lnStyleLst>
-      <a:effectStyleLst>
-        <a:effectStyle>
-          <a:effectLst>
-            <a:outerShdw blurRad="40000" dist="20000" dir="5400000" rotWithShape="0">
-              <a:srgbClr val="000000">
-                <a:alpha val="38000"/>
-              </a:srgbClr>
-            </a:outerShdw>
-          </a:effectLst>
-        </a:effectStyle>
-        <a:effectStyle>
-          <a:effectLst>
-            <a:outerShdw blurRad="40000" dist="23000" dir="5400000" rotWithShape="0">
-              <a:srgbClr val="000000">
-                <a:alpha val="35000"/>
-              </a:srgbClr>
-            </a:outerShdw>
-          </a:effectLst>
-        </a:effectStyle>
-        <a:effectStyle>
-          <a:effectLst>
-            <a:outerShdw blurRad="40000" dist="23000" dir="5400000" rotWithShape="0">
-              <a:srgbClr val="000000">
-                <a:alpha val="35000"/>
-              </a:srgbClr>
-            </a:outerShdw>
-          </a:effectLst>
-          <a:scene3d>
-            <a:camera prst="orthographicFront">
-              <a:rot lat="0" lon="0" rev="0"/>
-            </a:camera>
-            <a:lightRig rig="threePt" dir="t">
-              <a:rot lat="0" lon="0" rev="1200000"/>
-            </a:lightRig>
-          </a:scene3d>
-          <a:sp3d>
-            <a:bevelT w="63500" h="25400"/>
-          </a:sp3d>
-        </a:effectStyle>
-      </a:effectStyleLst>
-      <a:bgFillStyleLst>
-        <a:solidFill>
-          <a:schemeClr val="phClr"/>
-        </a:solidFill>
-        <a:gradFill rotWithShape="1">
-          <a:gsLst>
-            <a:gs pos="0">
-              <a:schemeClr val="phClr">
-                <a:tint val="40000"/>
-                <a:satMod val="350000"/>
-              </a:schemeClr>
-            </a:gs>
-            <a:gs pos="40000">
-              <a:schemeClr val="phClr">
-                <a:tint val="45000"/>
-                <a:shade val="99000"/>
-                <a:satMod val="350000"/>
-              </a:schemeClr>
-            </a:gs>
-            <a:gs pos="100000">
-              <a:schemeClr val="phClr">
-                <a:shade val="20000"/>
-                <a:satMod val="255000"/>
-              </a:schemeClr>
-            </a:gs>
-          </a:gsLst>
-          <a:path path="circle">
-            <a:fillToRect l="50000" t="-80000" r="50000" b="180000"/>
-          </a:path>
-        </a:gradFill>
-        <a:gradFill rotWithShape="1">
-          <a:gsLst>
-            <a:gs pos="0">
-              <a:schemeClr val="phClr">
-                <a:tint val="80000"/>
-                <a:satMod val="300000"/>
-              </a:schemeClr>
-            </a:gs>
-            <a:gs pos="100000">
-              <a:schemeClr val="phClr">
-                <a:shade val="30000"/>
-                <a:satMod val="200000"/>
-              </a:schemeClr>
-            </a:gs>
-          </a:gsLst>
-          <a:path path="circle">
-            <a:fillToRect l="50000" t="50000" r="50000" b="50000"/>
-          </a:path>
-        </a:gradFill>
-      </a:bgFillStyleLst>
-    </a:fmtScheme>
-  </a:themeElements>
-  <a:objectDefaults>
-    <a:spDef>
-      <a:spPr bwMode="auto">
-        <a:xfrm>
-          <a:off x="0" y="0"/>
-          <a:ext cx="1" cy="1"/>
-        </a:xfrm>
-        <a:custGeom>
-          <a:avLst/>
-          <a:gdLst/>
-          <a:ahLst/>
-          <a:cxnLst/>
-          <a:rect l="0" t="0" r="0" b="0"/>
-          <a:pathLst/>
-        </a:custGeom>
-        <a:solidFill>
-          <a:schemeClr val="accent1"/>
-        </a:solidFill>
-        <a:ln w="9525" cap="flat" cmpd="sng" algn="ctr">
-          <a:solidFill>
-            <a:schemeClr val="tx1"/>
-          </a:solidFill>
-          <a:prstDash val="solid"/>
-          <a:round/>
-          <a:headEnd type="none" w="med" len="med"/>
-          <a:tailEnd type="none" w="med" len="med"/>
-        </a:ln>
-        <a:effectLst/>
-      </a:spPr>
-      <a:bodyPr vert="horz" wrap="none" lIns="91440" tIns="45720" rIns="91440" bIns="45720" numCol="1" anchor="ctr" anchorCtr="0" compatLnSpc="1">
-        <a:prstTxWarp prst="textNoShape">
-          <a:avLst/>
-        </a:prstTxWarp>
-      </a:bodyPr>
-      <a:lstStyle>
-        <a:defPPr marL="0" marR="0" indent="0" algn="ctr" defTabSz="914400" rtl="0" eaLnBrk="1" fontAlgn="base" latinLnBrk="0" hangingPunct="1">
-          <a:lnSpc>
-            <a:spcPct val="100000"/>
-          </a:lnSpc>
-          <a:spcBef>
-            <a:spcPct val="0"/>
-          </a:spcBef>
-          <a:spcAft>
-            <a:spcPct val="0"/>
-          </a:spcAft>
-          <a:buClrTx/>
-          <a:buSzTx/>
-          <a:buFontTx/>
-          <a:buNone/>
-          <a:tabLst/>
-          <a:defRPr kumimoji="0" lang="en-US" sz="3200" b="0" i="0" u="none" strike="noStrike" cap="none" normalizeH="0" baseline="0" smtClean="0">
-            <a:ln>
-              <a:noFill/>
-            </a:ln>
-            <a:solidFill>
-              <a:schemeClr val="tx1"/>
-            </a:solidFill>
-            <a:effectLst/>
-            <a:latin typeface="Times New Roman" pitchFamily="18" charset="0"/>
-          </a:defRPr>
-        </a:defPPr>
-      </a:lstStyle>
-    </a:spDef>
-    <a:lnDef>
-      <a:spPr bwMode="auto">
-        <a:xfrm>
-          <a:off x="0" y="0"/>
-          <a:ext cx="1" cy="1"/>
-        </a:xfrm>
-        <a:custGeom>
-          <a:avLst/>
-          <a:gdLst/>
-          <a:ahLst/>
-          <a:cxnLst/>
-          <a:rect l="0" t="0" r="0" b="0"/>
-          <a:pathLst/>
-        </a:custGeom>
-        <a:solidFill>
-          <a:schemeClr val="accent1"/>
-        </a:solidFill>
-        <a:ln w="9525" cap="flat" cmpd="sng" algn="ctr">
-          <a:solidFill>
-            <a:schemeClr val="tx1"/>
-          </a:solidFill>
-          <a:prstDash val="solid"/>
-          <a:round/>
-          <a:headEnd type="none" w="med" len="med"/>
-          <a:tailEnd type="none" w="med" len="med"/>
-        </a:ln>
-        <a:effectLst/>
-      </a:spPr>
-      <a:bodyPr vert="horz" wrap="none" lIns="91440" tIns="45720" rIns="91440" bIns="45720" numCol="1" anchor="ctr" anchorCtr="0" compatLnSpc="1">
-        <a:prstTxWarp prst="textNoShape">
-          <a:avLst/>
-        </a:prstTxWarp>
-      </a:bodyPr>
-      <a:lstStyle>
-        <a:defPPr marL="0" marR="0" indent="0" algn="ctr" defTabSz="914400" rtl="0" eaLnBrk="1" fontAlgn="base" latinLnBrk="0" hangingPunct="1">
-          <a:lnSpc>
-            <a:spcPct val="100000"/>
-          </a:lnSpc>
-          <a:spcBef>
-            <a:spcPct val="0"/>
-          </a:spcBef>
-          <a:spcAft>
-            <a:spcPct val="0"/>
-          </a:spcAft>
-          <a:buClrTx/>
-          <a:buSzTx/>
-          <a:buFontTx/>
-          <a:buNone/>
-          <a:tabLst/>
-          <a:defRPr kumimoji="0" lang="en-US" sz="3200" b="0" i="0" u="none" strike="noStrike" cap="none" normalizeH="0" baseline="0" smtClean="0">
-            <a:ln>
-              <a:noFill/>
-            </a:ln>
-            <a:solidFill>
-              <a:schemeClr val="tx1"/>
-            </a:solidFill>
-            <a:effectLst/>
-            <a:latin typeface="Times New Roman" pitchFamily="18" charset="0"/>
-          </a:defRPr>
-        </a:defPPr>
-      </a:lstStyle>
-    </a:lnDef>
-  </a:objectDefaults>
-  <a:extraClrSchemeLst>
-    <a:extraClrScheme>
-      <a:clrScheme name="1_6.042 Lecture Template 1">
-        <a:dk1>
-          <a:srgbClr val="000000"/>
-        </a:dk1>
-        <a:lt1>
-          <a:srgbClr val="FFFFFF"/>
-        </a:lt1>
-        <a:dk2>
-          <a:srgbClr val="0000FF"/>
-        </a:dk2>
-        <a:lt2>
-          <a:srgbClr val="FFFF00"/>
-        </a:lt2>
-        <a:accent1>
-          <a:srgbClr val="FF9900"/>
-        </a:accent1>
-        <a:accent2>
-          <a:srgbClr val="00FFFF"/>
-        </a:accent2>
-        <a:accent3>
-          <a:srgbClr val="AAAAFF"/>
-        </a:accent3>
-        <a:accent4>
-          <a:srgbClr val="DADADA"/>
-        </a:accent4>
-        <a:accent5>
-          <a:srgbClr val="FFCAAA"/>
-        </a:accent5>
-        <a:accent6>
-          <a:srgbClr val="00E7E7"/>
-        </a:accent6>
-        <a:hlink>
-          <a:srgbClr val="FF0000"/>
-        </a:hlink>
-        <a:folHlink>
-          <a:srgbClr val="969696"/>
-        </a:folHlink>
-      </a:clrScheme>
-      <a:clrMap bg1="dk2" tx1="lt1" bg2="dk1" tx2="lt2" accent1="accent1" accent2="accent2" accent3="accent3" accent4="accent4" accent5="accent5" accent6="accent6" hlink="hlink" folHlink="folHlink"/>
-    </a:extraClrScheme>
-    <a:extraClrScheme>
-      <a:clrScheme name="1_6.042 Lecture Template 2">
-        <a:dk1>
-          <a:srgbClr val="000000"/>
-        </a:dk1>
-        <a:lt1>
-          <a:srgbClr val="FFFFFF"/>
-        </a:lt1>
-        <a:dk2>
-          <a:srgbClr val="000000"/>
-        </a:dk2>
-        <a:lt2>
-          <a:srgbClr val="808080"/>
-        </a:lt2>
-        <a:accent1>
-          <a:srgbClr val="00CC99"/>
-        </a:accent1>
-        <a:accent2>
-          <a:srgbClr val="3333CC"/>
-        </a:accent2>
-        <a:accent3>
-          <a:srgbClr val="FFFFFF"/>
-        </a:accent3>
-        <a:accent4>
-          <a:srgbClr val="000000"/>
-        </a:accent4>
-        <a:accent5>
-          <a:srgbClr val="AAE2CA"/>
-        </a:accent5>
-        <a:accent6>
-          <a:srgbClr val="2D2DB9"/>
-        </a:accent6>
-        <a:hlink>
-          <a:srgbClr val="CCCCFF"/>
-        </a:hlink>
-        <a:folHlink>
-          <a:srgbClr val="B2B2B2"/>
-        </a:folHlink>
-      </a:clrScheme>
-      <a:clrMap bg1="lt1" tx1="dk1" bg2="lt2" tx2="dk2" accent1="accent1" accent2="accent2" accent3="accent3" accent4="accent4" accent5="accent5" accent6="accent6" hlink="hlink" folHlink="folHlink"/>
-    </a:extraClrScheme>
-    <a:extraClrScheme>
-      <a:clrScheme name="1_6.042 Lecture Template 3">
-        <a:dk1>
-          <a:srgbClr val="000000"/>
-        </a:dk1>
-        <a:lt1>
-          <a:srgbClr val="FFFFFF"/>
-        </a:lt1>
-        <a:dk2>
-          <a:srgbClr val="000000"/>
-        </a:dk2>
-        <a:lt2>
-          <a:srgbClr val="333333"/>
-        </a:lt2>
-        <a:accent1>
-          <a:srgbClr val="DDDDDD"/>
-        </a:accent1>
-        <a:accent2>
-          <a:srgbClr val="808080"/>
-        </a:accent2>
-        <a:accent3>
-          <a:srgbClr val="FFFFFF"/>
-        </a:accent3>
-        <a:accent4>
-          <a:srgbClr val="000000"/>
-        </a:accent4>
-        <a:accent5>
-          <a:srgbClr val="EBEBEB"/>
-        </a:accent5>
-        <a:accent6>
-          <a:srgbClr val="737373"/>
-        </a:accent6>
-        <a:hlink>
-          <a:srgbClr val="4D4D4D"/>
-        </a:hlink>
-        <a:folHlink>
-          <a:srgbClr val="EAEAEA"/>
-        </a:folHlink>
-      </a:clrScheme>
-      <a:clrMap bg1="lt1" tx1="dk1" bg2="lt2" tx2="dk2" accent1="accent1" accent2="accent2" accent3="accent3" accent4="accent4" accent5="accent5" accent6="accent6" hlink="hlink" folHlink="folHlink"/>
-    </a:extraClrScheme>
-    <a:extraClrScheme>
-      <a:clrScheme name="1_6.042 Lecture Template 4">
-        <a:dk1>
-          <a:srgbClr val="000000"/>
-        </a:dk1>
-        <a:lt1>
-          <a:srgbClr val="FFFFCC"/>
-        </a:lt1>
-        <a:dk2>
-          <a:srgbClr val="808000"/>
-        </a:dk2>
-        <a:lt2>
-          <a:srgbClr val="666633"/>
-        </a:lt2>
-        <a:accent1>
-          <a:srgbClr val="339933"/>
-        </a:accent1>
-        <a:accent2>
-          <a:srgbClr val="800000"/>
-        </a:accent2>
-        <a:accent3>
-          <a:srgbClr val="FFFFE2"/>
-        </a:accent3>
-        <a:accent4>
-          <a:srgbClr val="000000"/>
-        </a:accent4>
-        <a:accent5>
-          <a:srgbClr val="ADCAAD"/>
-        </a:accent5>
-        <a:accent6>
-          <a:srgbClr val="730000"/>
-        </a:accent6>
-        <a:hlink>
-          <a:srgbClr val="0033CC"/>
-        </a:hlink>
-        <a:folHlink>
-          <a:srgbClr val="FFCC66"/>
-        </a:folHlink>
-      </a:clrScheme>
-      <a:clrMap bg1="lt1" tx1="dk1" bg2="lt2" tx2="dk2" accent1="accent1" accent2="accent2" accent3="accent3" accent4="accent4" accent5="accent5" accent6="accent6" hlink="hlink" folHlink="folHlink"/>
-    </a:extraClrScheme>
-    <a:extraClrScheme>
-      <a:clrScheme name="1_6.042 Lecture Template 5">
-        <a:dk1>
-          <a:srgbClr val="000000"/>
-        </a:dk1>
-        <a:lt1>
-          <a:srgbClr val="FFFFFF"/>
-        </a:lt1>
-        <a:dk2>
-          <a:srgbClr val="000000"/>
-        </a:dk2>
-        <a:lt2>
-          <a:srgbClr val="808080"/>
-        </a:lt2>
-        <a:accent1>
-          <a:srgbClr val="FFCC66"/>
-        </a:accent1>
-        <a:accent2>
-          <a:srgbClr val="0000FF"/>
-        </a:accent2>
-        <a:accent3>
-          <a:srgbClr val="FFFFFF"/>
-        </a:accent3>
-        <a:accent4>
-          <a:srgbClr val="000000"/>
-        </a:accent4>
-        <a:accent5>
-          <a:srgbClr val="FFE2B8"/>
-        </a:accent5>
-        <a:accent6>
-          <a:srgbClr val="0000E7"/>
-        </a:accent6>
-        <a:hlink>
-          <a:srgbClr val="CC00CC"/>
-        </a:hlink>
-        <a:folHlink>
-          <a:srgbClr val="C0C0C0"/>
-        </a:folHlink>
-      </a:clrScheme>
-      <a:clrMap bg1="lt1" tx1="dk1" bg2="lt2" tx2="dk2" accent1="accent1" accent2="accent2" accent3="accent3" accent4="accent4" accent5="accent5" accent6="accent6" hlink="hlink" folHlink="folHlink"/>
-    </a:extraClrScheme>
-    <a:extraClrScheme>
-      <a:clrScheme name="1_6.042 Lecture Template 6">
-        <a:dk1>
-          <a:srgbClr val="000000"/>
-        </a:dk1>
-        <a:lt1>
-          <a:srgbClr val="FFFFFF"/>
-        </a:lt1>
-        <a:dk2>
-          <a:srgbClr val="000000"/>
-        </a:dk2>
-        <a:lt2>
-          <a:srgbClr val="808080"/>
-        </a:lt2>
-        <a:accent1>
-          <a:srgbClr val="C0C0C0"/>
-        </a:accent1>
-        <a:accent2>
-          <a:srgbClr val="0066FF"/>
-        </a:accent2>
-        <a:accent3>
-          <a:srgbClr val="FFFFFF"/>
-        </a:accent3>
-        <a:accent4>
-          <a:srgbClr val="000000"/>
-        </a:accent4>
-        <a:accent5>
-          <a:srgbClr val="DCDCDC"/>
-        </a:accent5>
-        <a:accent6>
-          <a:srgbClr val="005CE7"/>
-        </a:accent6>
-        <a:hlink>
-          <a:srgbClr val="FF0000"/>
-        </a:hlink>
-        <a:folHlink>
-          <a:srgbClr val="009900"/>
-        </a:folHlink>
-      </a:clrScheme>
-      <a:clrMap bg1="lt1" tx1="dk1" bg2="lt2" tx2="dk2" accent1="accent1" accent2="accent2" accent3="accent3" accent4="accent4" accent5="accent5" accent6="accent6" hlink="hlink" folHlink="folHlink"/>
-    </a:extraClrScheme>
-    <a:extraClrScheme>
-      <a:clrScheme name="1_6.042 Lecture Template 7">
-        <a:dk1>
-          <a:srgbClr val="000000"/>
-        </a:dk1>
-        <a:lt1>
-          <a:srgbClr val="FFFFFF"/>
-        </a:lt1>
-        <a:dk2>
-          <a:srgbClr val="000000"/>
-        </a:dk2>
-        <a:lt2>
-          <a:srgbClr val="808080"/>
-        </a:lt2>
-        <a:accent1>
-          <a:srgbClr val="3399FF"/>
-        </a:accent1>
-        <a:accent2>
-          <a:srgbClr val="99FFCC"/>
-        </a:accent2>
-        <a:accent3>
-          <a:srgbClr val="FFFFFF"/>
-        </a:accent3>
-        <a:accent4>
-          <a:srgbClr val="000000"/>
-        </a:accent4>
-        <a:accent5>
-          <a:srgbClr val="ADCAFF"/>
-        </a:accent5>
-        <a:accent6>
-          <a:srgbClr val="8AE7B9"/>
-        </a:accent6>
-        <a:hlink>
-          <a:srgbClr val="CC00CC"/>
-        </a:hlink>
-        <a:folHlink>
-          <a:srgbClr val="B2B2B2"/>
-        </a:folHlink>
-      </a:clrScheme>
-      <a:clrMap bg1="lt1" tx1="dk1" bg2="lt2" tx2="dk2" accent1="accent1" accent2="accent2" accent3="accent3" accent4="accent4" accent5="accent5" accent6="accent6" hlink="hlink" folHlink="folHlink"/>
-    </a:extraClrScheme>
-    <a:extraClrScheme>
-      <a:clrScheme name="1_6.042 Lecture Template 8">
-        <a:dk1>
-          <a:srgbClr val="000000"/>
-        </a:dk1>
-        <a:lt1>
-          <a:srgbClr val="FFFFFF"/>
-        </a:lt1>
-        <a:dk2>
-          <a:srgbClr val="000000"/>
-        </a:dk2>
-        <a:lt2>
-          <a:srgbClr val="808080"/>
-        </a:lt2>
-        <a:accent1>
-          <a:srgbClr val="009999"/>
-        </a:accent1>
-        <a:accent2>
-          <a:srgbClr val="CC0000"/>
-        </a:accent2>
-        <a:accent3>
-          <a:srgbClr val="FFFFFF"/>
-        </a:accent3>
-        <a:accent4>
-          <a:srgbClr val="000000"/>
-        </a:accent4>
-        <a:accent5>
-          <a:srgbClr val="AACACA"/>
-        </a:accent5>
-        <a:accent6>
-          <a:srgbClr val="B90000"/>
-        </a:accent6>
-        <a:hlink>
-          <a:srgbClr val="CCCCFF"/>
-        </a:hlink>
-        <a:folHlink>
-          <a:srgbClr val="B2B2B2"/>
-        </a:folHlink>
-      </a:clrScheme>
-      <a:clrMap bg1="lt1" tx1="dk1" bg2="lt2" tx2="dk2" accent1="accent1" accent2="accent2" accent3="accent3" accent4="accent4" accent5="accent5" accent6="accent6" hlink="hlink" folHlink="folHlink"/>
-    </a:extraClrScheme>
-  </a:extraClrSchemeLst>
-</a:theme>
-</file>
-
-<file path=ppt/theme/theme3.xml><?xml version="1.0" encoding="utf-8"?>
 <a:theme xmlns:a="http://schemas.openxmlformats.org/drawingml/2006/main" name="Office Theme">
   <a:themeElements>
     <a:clrScheme name="">
@@ -22016,7 +19655,7 @@
 </a:theme>
 </file>
 
-<file path=ppt/theme/theme4.xml><?xml version="1.0" encoding="utf-8"?>
+<file path=ppt/theme/theme3.xml><?xml version="1.0" encoding="utf-8"?>
 <a:theme xmlns:a="http://schemas.openxmlformats.org/drawingml/2006/main" name="Office Theme">
   <a:themeElements>
     <a:clrScheme name="">
